--- a/Diplomarbeitspr�sentation/Diplomarbeitspr�sentation.pptx
+++ b/Diplomarbeitspr�sentation/Diplomarbeitspr�sentation.pptx
@@ -202,7 +202,7 @@
           <a:p>
             <a:fld id="{B73AA0E3-8A18-41FA-A4D5-CC28D0594B88}" type="datetimeFigureOut">
               <a:rPr lang="de-AT" smtClean="0"/>
-              <a:t>29.04.2012</a:t>
+              <a:t>30.04.2012</a:t>
             </a:fld>
             <a:endParaRPr lang="de-AT"/>
           </a:p>
@@ -367,7 +367,7 @@
           <a:p>
             <a:fld id="{8D366977-9F2D-478E-A467-038E8D137FE7}" type="datetimeFigureOut">
               <a:rPr lang="de-AT" smtClean="0"/>
-              <a:t>29.04.2012</a:t>
+              <a:t>30.04.2012</a:t>
             </a:fld>
             <a:endParaRPr lang="de-AT"/>
           </a:p>
@@ -1499,7 +1499,7 @@
           <a:p>
             <a:fld id="{C294DD41-CBA7-4BB0-9080-1DC8C604D4F2}" type="datetime1">
               <a:rPr lang="de-AT" smtClean="0"/>
-              <a:t>29.04.2012</a:t>
+              <a:t>30.04.2012</a:t>
             </a:fld>
             <a:endParaRPr lang="de-AT"/>
           </a:p>
@@ -1675,7 +1675,7 @@
           <a:p>
             <a:fld id="{857C222E-AEAB-4D21-B1F3-198065702CA2}" type="datetime1">
               <a:rPr lang="de-AT" smtClean="0"/>
-              <a:t>29.04.2012</a:t>
+              <a:t>30.04.2012</a:t>
             </a:fld>
             <a:endParaRPr lang="de-AT"/>
           </a:p>
@@ -1861,7 +1861,7 @@
           <a:p>
             <a:fld id="{BE35B029-5476-42F6-9856-B4FD76AAD523}" type="datetime1">
               <a:rPr lang="de-AT" smtClean="0"/>
-              <a:t>29.04.2012</a:t>
+              <a:t>30.04.2012</a:t>
             </a:fld>
             <a:endParaRPr lang="de-AT"/>
           </a:p>
@@ -2069,7 +2069,7 @@
           <a:p>
             <a:fld id="{98932FBD-FC49-442A-8FB3-9375745BE1D1}" type="datetime1">
               <a:rPr lang="de-AT" smtClean="0"/>
-              <a:t>29.04.2012</a:t>
+              <a:t>30.04.2012</a:t>
             </a:fld>
             <a:endParaRPr lang="de-AT"/>
           </a:p>
@@ -2522,7 +2522,7 @@
           <a:p>
             <a:fld id="{52EFE97E-364B-46F5-9E0A-7AD55D2B95C6}" type="datetime1">
               <a:rPr lang="de-AT" smtClean="0"/>
-              <a:t>29.04.2012</a:t>
+              <a:t>30.04.2012</a:t>
             </a:fld>
             <a:endParaRPr lang="de-AT"/>
           </a:p>
@@ -2881,7 +2881,7 @@
           <a:p>
             <a:fld id="{8878782C-7465-493D-8868-830776511646}" type="datetime1">
               <a:rPr lang="de-AT" smtClean="0"/>
-              <a:t>29.04.2012</a:t>
+              <a:t>30.04.2012</a:t>
             </a:fld>
             <a:endParaRPr lang="de-AT"/>
           </a:p>
@@ -3193,7 +3193,7 @@
           <a:p>
             <a:fld id="{6E35F050-97A8-4698-B11C-911CBD925F76}" type="datetime1">
               <a:rPr lang="de-AT" smtClean="0"/>
-              <a:t>29.04.2012</a:t>
+              <a:t>30.04.2012</a:t>
             </a:fld>
             <a:endParaRPr lang="de-AT"/>
           </a:p>
@@ -3424,7 +3424,7 @@
           <a:p>
             <a:fld id="{BEBC0FF8-55FA-4B0D-A68B-65921015E68B}" type="datetime1">
               <a:rPr lang="de-AT" smtClean="0"/>
-              <a:t>29.04.2012</a:t>
+              <a:t>30.04.2012</a:t>
             </a:fld>
             <a:endParaRPr lang="de-AT"/>
           </a:p>
@@ -3518,7 +3518,7 @@
           <a:p>
             <a:fld id="{95F6F4E3-603E-489C-8AD5-DF638C2180FC}" type="datetime1">
               <a:rPr lang="de-AT" smtClean="0"/>
-              <a:t>29.04.2012</a:t>
+              <a:t>30.04.2012</a:t>
             </a:fld>
             <a:endParaRPr lang="de-AT"/>
           </a:p>
@@ -3817,7 +3817,7 @@
           <a:p>
             <a:fld id="{BBB3EB15-868B-491D-B534-67F805436F7F}" type="datetime1">
               <a:rPr lang="de-AT" smtClean="0"/>
-              <a:t>29.04.2012</a:t>
+              <a:t>30.04.2012</a:t>
             </a:fld>
             <a:endParaRPr lang="de-AT"/>
           </a:p>
@@ -4097,7 +4097,7 @@
           <a:p>
             <a:fld id="{B19ABC60-8A1D-46A7-BE5B-DCEE49231FA2}" type="datetime1">
               <a:rPr lang="de-AT" smtClean="0"/>
-              <a:t>29.04.2012</a:t>
+              <a:t>30.04.2012</a:t>
             </a:fld>
             <a:endParaRPr lang="de-AT"/>
           </a:p>
@@ -4318,7 +4318,7 @@
           <a:p>
             <a:fld id="{6C6ED1B5-2679-4057-8F1E-0A574AC8CF17}" type="datetime1">
               <a:rPr lang="de-AT" smtClean="0"/>
-              <a:t>29.04.2012</a:t>
+              <a:t>30.04.2012</a:t>
             </a:fld>
             <a:endParaRPr lang="de-AT"/>
           </a:p>
@@ -5194,7 +5194,11 @@
           <a:p>
             <a:r>
               <a:rPr lang="de-AT" sz="2000" dirty="0" smtClean="0"/>
-              <a:t>Österreichs Fischzuchtanlagen sind kleinstrukturierte Betriebe</a:t>
+              <a:t>Heimische </a:t>
+            </a:r>
+            <a:r>
+              <a:rPr lang="de-AT" sz="2000" dirty="0" smtClean="0"/>
+              <a:t>Fischzuchtanlagen sind kleinstrukturierte Betriebe</a:t>
             </a:r>
             <a:br>
               <a:rPr lang="de-AT" sz="2000" dirty="0" smtClean="0"/>
@@ -5204,7 +5208,19 @@
           <a:p>
             <a:r>
               <a:rPr lang="de-AT" sz="2000" dirty="0" smtClean="0"/>
-              <a:t>Professionelle Fischaufzucht sehr teuer</a:t>
+              <a:t>Professionelle </a:t>
+            </a:r>
+            <a:r>
+              <a:rPr lang="de-AT" sz="2000" smtClean="0"/>
+              <a:t>Fischaufzucht </a:t>
+            </a:r>
+            <a:r>
+              <a:rPr lang="de-AT" sz="2000" smtClean="0"/>
+              <a:t>ist sehr </a:t>
+            </a:r>
+            <a:r>
+              <a:rPr lang="de-AT" sz="2000" dirty="0" smtClean="0"/>
+              <a:t>teuer</a:t>
             </a:r>
             <a:br>
               <a:rPr lang="de-AT" sz="2000" dirty="0" smtClean="0"/>
@@ -5307,7 +5323,6 @@
               <a:rPr lang="de-AT" dirty="0"/>
               <a:t>Automatische Fischfütterungsanlage mit Webinterface</a:t>
             </a:r>
-            <a:endParaRPr lang="de-AT" dirty="0"/>
           </a:p>
         </p:txBody>
       </p:sp>

--- a/Diplomarbeitspr�sentation/Diplomarbeitspr�sentation.pptx
+++ b/Diplomarbeitspr�sentation/Diplomarbeitspr�sentation.pptx
@@ -202,7 +202,7 @@
           <a:p>
             <a:fld id="{B73AA0E3-8A18-41FA-A4D5-CC28D0594B88}" type="datetimeFigureOut">
               <a:rPr lang="de-AT" smtClean="0"/>
-              <a:t>30.04.2012</a:t>
+              <a:t>01.05.2012</a:t>
             </a:fld>
             <a:endParaRPr lang="de-AT"/>
           </a:p>
@@ -367,7 +367,7 @@
           <a:p>
             <a:fld id="{8D366977-9F2D-478E-A467-038E8D137FE7}" type="datetimeFigureOut">
               <a:rPr lang="de-AT" smtClean="0"/>
-              <a:t>30.04.2012</a:t>
+              <a:t>01.05.2012</a:t>
             </a:fld>
             <a:endParaRPr lang="de-AT"/>
           </a:p>
@@ -1499,7 +1499,7 @@
           <a:p>
             <a:fld id="{C294DD41-CBA7-4BB0-9080-1DC8C604D4F2}" type="datetime1">
               <a:rPr lang="de-AT" smtClean="0"/>
-              <a:t>30.04.2012</a:t>
+              <a:t>01.05.2012</a:t>
             </a:fld>
             <a:endParaRPr lang="de-AT"/>
           </a:p>
@@ -1675,7 +1675,7 @@
           <a:p>
             <a:fld id="{857C222E-AEAB-4D21-B1F3-198065702CA2}" type="datetime1">
               <a:rPr lang="de-AT" smtClean="0"/>
-              <a:t>30.04.2012</a:t>
+              <a:t>01.05.2012</a:t>
             </a:fld>
             <a:endParaRPr lang="de-AT"/>
           </a:p>
@@ -1861,7 +1861,7 @@
           <a:p>
             <a:fld id="{BE35B029-5476-42F6-9856-B4FD76AAD523}" type="datetime1">
               <a:rPr lang="de-AT" smtClean="0"/>
-              <a:t>30.04.2012</a:t>
+              <a:t>01.05.2012</a:t>
             </a:fld>
             <a:endParaRPr lang="de-AT"/>
           </a:p>
@@ -2069,7 +2069,7 @@
           <a:p>
             <a:fld id="{98932FBD-FC49-442A-8FB3-9375745BE1D1}" type="datetime1">
               <a:rPr lang="de-AT" smtClean="0"/>
-              <a:t>30.04.2012</a:t>
+              <a:t>01.05.2012</a:t>
             </a:fld>
             <a:endParaRPr lang="de-AT"/>
           </a:p>
@@ -2522,7 +2522,7 @@
           <a:p>
             <a:fld id="{52EFE97E-364B-46F5-9E0A-7AD55D2B95C6}" type="datetime1">
               <a:rPr lang="de-AT" smtClean="0"/>
-              <a:t>30.04.2012</a:t>
+              <a:t>01.05.2012</a:t>
             </a:fld>
             <a:endParaRPr lang="de-AT"/>
           </a:p>
@@ -2881,7 +2881,7 @@
           <a:p>
             <a:fld id="{8878782C-7465-493D-8868-830776511646}" type="datetime1">
               <a:rPr lang="de-AT" smtClean="0"/>
-              <a:t>30.04.2012</a:t>
+              <a:t>01.05.2012</a:t>
             </a:fld>
             <a:endParaRPr lang="de-AT"/>
           </a:p>
@@ -3193,7 +3193,7 @@
           <a:p>
             <a:fld id="{6E35F050-97A8-4698-B11C-911CBD925F76}" type="datetime1">
               <a:rPr lang="de-AT" smtClean="0"/>
-              <a:t>30.04.2012</a:t>
+              <a:t>01.05.2012</a:t>
             </a:fld>
             <a:endParaRPr lang="de-AT"/>
           </a:p>
@@ -3424,7 +3424,7 @@
           <a:p>
             <a:fld id="{BEBC0FF8-55FA-4B0D-A68B-65921015E68B}" type="datetime1">
               <a:rPr lang="de-AT" smtClean="0"/>
-              <a:t>30.04.2012</a:t>
+              <a:t>01.05.2012</a:t>
             </a:fld>
             <a:endParaRPr lang="de-AT"/>
           </a:p>
@@ -3518,7 +3518,7 @@
           <a:p>
             <a:fld id="{95F6F4E3-603E-489C-8AD5-DF638C2180FC}" type="datetime1">
               <a:rPr lang="de-AT" smtClean="0"/>
-              <a:t>30.04.2012</a:t>
+              <a:t>01.05.2012</a:t>
             </a:fld>
             <a:endParaRPr lang="de-AT"/>
           </a:p>
@@ -3817,7 +3817,7 @@
           <a:p>
             <a:fld id="{BBB3EB15-868B-491D-B534-67F805436F7F}" type="datetime1">
               <a:rPr lang="de-AT" smtClean="0"/>
-              <a:t>30.04.2012</a:t>
+              <a:t>01.05.2012</a:t>
             </a:fld>
             <a:endParaRPr lang="de-AT"/>
           </a:p>
@@ -4097,7 +4097,7 @@
           <a:p>
             <a:fld id="{B19ABC60-8A1D-46A7-BE5B-DCEE49231FA2}" type="datetime1">
               <a:rPr lang="de-AT" smtClean="0"/>
-              <a:t>30.04.2012</a:t>
+              <a:t>01.05.2012</a:t>
             </a:fld>
             <a:endParaRPr lang="de-AT"/>
           </a:p>
@@ -4318,7 +4318,7 @@
           <a:p>
             <a:fld id="{6C6ED1B5-2679-4057-8F1E-0A574AC8CF17}" type="datetime1">
               <a:rPr lang="de-AT" smtClean="0"/>
-              <a:t>30.04.2012</a:t>
+              <a:t>01.05.2012</a:t>
             </a:fld>
             <a:endParaRPr lang="de-AT"/>
           </a:p>
@@ -5194,11 +5194,7 @@
           <a:p>
             <a:r>
               <a:rPr lang="de-AT" sz="2000" dirty="0" smtClean="0"/>
-              <a:t>Heimische </a:t>
-            </a:r>
-            <a:r>
-              <a:rPr lang="de-AT" sz="2000" dirty="0" smtClean="0"/>
-              <a:t>Fischzuchtanlagen sind kleinstrukturierte Betriebe</a:t>
+              <a:t>Heimische Fischzuchtanlagen sind kleinstrukturierte Betriebe</a:t>
             </a:r>
             <a:br>
               <a:rPr lang="de-AT" sz="2000" dirty="0" smtClean="0"/>
@@ -5212,11 +5208,7 @@
             </a:r>
             <a:r>
               <a:rPr lang="de-AT" sz="2000" smtClean="0"/>
-              <a:t>Fischaufzucht </a:t>
-            </a:r>
-            <a:r>
-              <a:rPr lang="de-AT" sz="2000" smtClean="0"/>
-              <a:t>ist sehr </a:t>
+              <a:t>Fischaufzucht ist sehr </a:t>
             </a:r>
             <a:r>
               <a:rPr lang="de-AT" sz="2000" dirty="0" smtClean="0"/>
@@ -5863,6 +5855,47 @@
           </a:p>
         </p:txBody>
       </p:sp>
+      <p:pic>
+        <p:nvPicPr>
+          <p:cNvPr id="1028" name="Picture 4" descr="C:\Users\Berny\Diplomarbeit\Diplomschrift\Bilder\index.png"/>
+          <p:cNvPicPr>
+            <a:picLocks noChangeAspect="1" noChangeArrowheads="1"/>
+          </p:cNvPicPr>
+          <p:nvPr/>
+        </p:nvPicPr>
+        <p:blipFill>
+          <a:blip r:embed="rId3">
+            <a:extLst>
+              <a:ext uri="{28A0092B-C50C-407E-A947-70E740481C1C}">
+                <a14:useLocalDpi xmlns:a14="http://schemas.microsoft.com/office/drawing/2010/main" val="0"/>
+              </a:ext>
+            </a:extLst>
+          </a:blip>
+          <a:srcRect/>
+          <a:stretch>
+            <a:fillRect/>
+          </a:stretch>
+        </p:blipFill>
+        <p:spPr bwMode="auto">
+          <a:xfrm>
+            <a:off x="1403648" y="615404"/>
+            <a:ext cx="6273800" cy="5549900"/>
+          </a:xfrm>
+          <a:prstGeom prst="rect">
+            <a:avLst/>
+          </a:prstGeom>
+          <a:noFill/>
+          <a:extLst>
+            <a:ext uri="{909E8E84-426E-40DD-AFC4-6F175D3DCCD1}">
+              <a14:hiddenFill xmlns:a14="http://schemas.microsoft.com/office/drawing/2010/main">
+                <a:solidFill>
+                  <a:srgbClr val="FFFFFF"/>
+                </a:solidFill>
+              </a14:hiddenFill>
+            </a:ext>
+          </a:extLst>
+        </p:spPr>
+      </p:pic>
     </p:spTree>
     <p:extLst>
       <p:ext uri="{BB962C8B-B14F-4D97-AF65-F5344CB8AC3E}">
@@ -5876,7 +5909,212 @@
   <p:timing>
     <p:tnLst>
       <p:par>
-        <p:cTn id="1" dur="indefinite" restart="never" nodeType="tmRoot"/>
+        <p:cTn id="1" dur="indefinite" restart="never" nodeType="tmRoot">
+          <p:childTnLst>
+            <p:seq concurrent="1" nextAc="seek">
+              <p:cTn id="2" dur="indefinite" nodeType="mainSeq">
+                <p:childTnLst>
+                  <p:par>
+                    <p:cTn id="3" fill="hold">
+                      <p:stCondLst>
+                        <p:cond delay="indefinite"/>
+                      </p:stCondLst>
+                      <p:childTnLst>
+                        <p:par>
+                          <p:cTn id="4" fill="hold">
+                            <p:stCondLst>
+                              <p:cond delay="0"/>
+                            </p:stCondLst>
+                            <p:childTnLst>
+                              <p:par>
+                                <p:cTn id="5" presetID="2" presetClass="entr" presetSubtype="2" fill="hold" nodeType="clickEffect">
+                                  <p:stCondLst>
+                                    <p:cond delay="0"/>
+                                  </p:stCondLst>
+                                  <p:childTnLst>
+                                    <p:set>
+                                      <p:cBhvr>
+                                        <p:cTn id="6" dur="1" fill="hold">
+                                          <p:stCondLst>
+                                            <p:cond delay="0"/>
+                                          </p:stCondLst>
+                                        </p:cTn>
+                                        <p:tgtEl>
+                                          <p:spTgt spid="1028"/>
+                                        </p:tgtEl>
+                                        <p:attrNameLst>
+                                          <p:attrName>style.visibility</p:attrName>
+                                        </p:attrNameLst>
+                                      </p:cBhvr>
+                                      <p:to>
+                                        <p:strVal val="visible"/>
+                                      </p:to>
+                                    </p:set>
+                                    <p:anim calcmode="lin" valueType="num">
+                                      <p:cBhvr additive="base">
+                                        <p:cTn id="7" dur="500" fill="hold"/>
+                                        <p:tgtEl>
+                                          <p:spTgt spid="1028"/>
+                                        </p:tgtEl>
+                                        <p:attrNameLst>
+                                          <p:attrName>ppt_x</p:attrName>
+                                        </p:attrNameLst>
+                                      </p:cBhvr>
+                                      <p:tavLst>
+                                        <p:tav tm="0">
+                                          <p:val>
+                                            <p:strVal val="1+#ppt_w/2"/>
+                                          </p:val>
+                                        </p:tav>
+                                        <p:tav tm="100000">
+                                          <p:val>
+                                            <p:strVal val="#ppt_x"/>
+                                          </p:val>
+                                        </p:tav>
+                                      </p:tavLst>
+                                    </p:anim>
+                                    <p:anim calcmode="lin" valueType="num">
+                                      <p:cBhvr additive="base">
+                                        <p:cTn id="8" dur="500" fill="hold"/>
+                                        <p:tgtEl>
+                                          <p:spTgt spid="1028"/>
+                                        </p:tgtEl>
+                                        <p:attrNameLst>
+                                          <p:attrName>ppt_y</p:attrName>
+                                        </p:attrNameLst>
+                                      </p:cBhvr>
+                                      <p:tavLst>
+                                        <p:tav tm="0">
+                                          <p:val>
+                                            <p:strVal val="#ppt_y"/>
+                                          </p:val>
+                                        </p:tav>
+                                        <p:tav tm="100000">
+                                          <p:val>
+                                            <p:strVal val="#ppt_y"/>
+                                          </p:val>
+                                        </p:tav>
+                                      </p:tavLst>
+                                    </p:anim>
+                                  </p:childTnLst>
+                                </p:cTn>
+                              </p:par>
+                            </p:childTnLst>
+                          </p:cTn>
+                        </p:par>
+                      </p:childTnLst>
+                    </p:cTn>
+                  </p:par>
+                  <p:par>
+                    <p:cTn id="9" fill="hold">
+                      <p:stCondLst>
+                        <p:cond delay="indefinite"/>
+                      </p:stCondLst>
+                      <p:childTnLst>
+                        <p:par>
+                          <p:cTn id="10" fill="hold">
+                            <p:stCondLst>
+                              <p:cond delay="0"/>
+                            </p:stCondLst>
+                            <p:childTnLst>
+                              <p:par>
+                                <p:cTn id="11" presetID="2" presetClass="exit" presetSubtype="2" fill="hold" nodeType="clickEffect">
+                                  <p:stCondLst>
+                                    <p:cond delay="0"/>
+                                  </p:stCondLst>
+                                  <p:childTnLst>
+                                    <p:anim calcmode="lin" valueType="num">
+                                      <p:cBhvr additive="base">
+                                        <p:cTn id="12" dur="500"/>
+                                        <p:tgtEl>
+                                          <p:spTgt spid="1028"/>
+                                        </p:tgtEl>
+                                        <p:attrNameLst>
+                                          <p:attrName>ppt_x</p:attrName>
+                                        </p:attrNameLst>
+                                      </p:cBhvr>
+                                      <p:tavLst>
+                                        <p:tav tm="0">
+                                          <p:val>
+                                            <p:strVal val="ppt_x"/>
+                                          </p:val>
+                                        </p:tav>
+                                        <p:tav tm="100000">
+                                          <p:val>
+                                            <p:strVal val="1+ppt_w/2"/>
+                                          </p:val>
+                                        </p:tav>
+                                      </p:tavLst>
+                                    </p:anim>
+                                    <p:anim calcmode="lin" valueType="num">
+                                      <p:cBhvr additive="base">
+                                        <p:cTn id="13" dur="500"/>
+                                        <p:tgtEl>
+                                          <p:spTgt spid="1028"/>
+                                        </p:tgtEl>
+                                        <p:attrNameLst>
+                                          <p:attrName>ppt_y</p:attrName>
+                                        </p:attrNameLst>
+                                      </p:cBhvr>
+                                      <p:tavLst>
+                                        <p:tav tm="0">
+                                          <p:val>
+                                            <p:strVal val="ppt_y"/>
+                                          </p:val>
+                                        </p:tav>
+                                        <p:tav tm="100000">
+                                          <p:val>
+                                            <p:strVal val="ppt_y"/>
+                                          </p:val>
+                                        </p:tav>
+                                      </p:tavLst>
+                                    </p:anim>
+                                    <p:set>
+                                      <p:cBhvr>
+                                        <p:cTn id="14" dur="1" fill="hold">
+                                          <p:stCondLst>
+                                            <p:cond delay="499"/>
+                                          </p:stCondLst>
+                                        </p:cTn>
+                                        <p:tgtEl>
+                                          <p:spTgt spid="1028"/>
+                                        </p:tgtEl>
+                                        <p:attrNameLst>
+                                          <p:attrName>style.visibility</p:attrName>
+                                        </p:attrNameLst>
+                                      </p:cBhvr>
+                                      <p:to>
+                                        <p:strVal val="hidden"/>
+                                      </p:to>
+                                    </p:set>
+                                  </p:childTnLst>
+                                </p:cTn>
+                              </p:par>
+                            </p:childTnLst>
+                          </p:cTn>
+                        </p:par>
+                      </p:childTnLst>
+                    </p:cTn>
+                  </p:par>
+                </p:childTnLst>
+              </p:cTn>
+              <p:prevCondLst>
+                <p:cond evt="onPrev" delay="0">
+                  <p:tgtEl>
+                    <p:sldTgt/>
+                  </p:tgtEl>
+                </p:cond>
+              </p:prevCondLst>
+              <p:nextCondLst>
+                <p:cond evt="onNext" delay="0">
+                  <p:tgtEl>
+                    <p:sldTgt/>
+                  </p:tgtEl>
+                </p:cond>
+              </p:nextCondLst>
+            </p:seq>
+          </p:childTnLst>
+        </p:cTn>
       </p:par>
     </p:tnLst>
   </p:timing>
@@ -6170,7 +6408,23 @@
           <a:p>
             <a:r>
               <a:rPr lang="de-AT" dirty="0" smtClean="0"/>
-              <a:t>Automatische Beleuchtung zur Anregung der Nahrungsaufnahme</a:t>
+              <a:t>Elektronische Steuerung der künstlichen Beleuchtung im </a:t>
+            </a:r>
+            <a:r>
+              <a:rPr lang="de-AT" dirty="0" err="1" smtClean="0"/>
+              <a:t>Bruthaus</a:t>
+            </a:r>
+            <a:r>
+              <a:rPr lang="de-AT" dirty="0" smtClean="0"/>
+              <a:t> bei </a:t>
+            </a:r>
+            <a:r>
+              <a:rPr lang="de-AT" dirty="0" smtClean="0"/>
+              <a:t>Wegfall des Tageslichtes</a:t>
+            </a:r>
+            <a:r>
+              <a:rPr lang="de-AT" dirty="0" smtClean="0"/>
+              <a:t/>
             </a:r>
             <a:br>
               <a:rPr lang="de-AT" dirty="0" smtClean="0"/>

--- a/Diplomarbeitspr�sentation/Diplomarbeitspr�sentation.pptx
+++ b/Diplomarbeitspr�sentation/Diplomarbeitspr�sentation.pptx
@@ -5,10 +5,10 @@
     <p:sldMasterId id="2147483660" r:id="rId1"/>
   </p:sldMasterIdLst>
   <p:notesMasterIdLst>
-    <p:notesMasterId r:id="rId10"/>
+    <p:notesMasterId r:id="rId16"/>
   </p:notesMasterIdLst>
   <p:handoutMasterIdLst>
-    <p:handoutMasterId r:id="rId11"/>
+    <p:handoutMasterId r:id="rId17"/>
   </p:handoutMasterIdLst>
   <p:sldIdLst>
     <p:sldId id="256" r:id="rId2"/>
@@ -16,9 +16,15 @@
     <p:sldId id="258" r:id="rId4"/>
     <p:sldId id="259" r:id="rId5"/>
     <p:sldId id="262" r:id="rId6"/>
-    <p:sldId id="260" r:id="rId7"/>
-    <p:sldId id="261" r:id="rId8"/>
-    <p:sldId id="263" r:id="rId9"/>
+    <p:sldId id="266" r:id="rId7"/>
+    <p:sldId id="267" r:id="rId8"/>
+    <p:sldId id="268" r:id="rId9"/>
+    <p:sldId id="269" r:id="rId10"/>
+    <p:sldId id="270" r:id="rId11"/>
+    <p:sldId id="271" r:id="rId12"/>
+    <p:sldId id="260" r:id="rId13"/>
+    <p:sldId id="261" r:id="rId14"/>
+    <p:sldId id="263" r:id="rId15"/>
   </p:sldIdLst>
   <p:sldSz cx="9144000" cy="6858000" type="screen4x3"/>
   <p:notesSz cx="6669088" cy="9926638"/>
@@ -202,7 +208,7 @@
           <a:p>
             <a:fld id="{B73AA0E3-8A18-41FA-A4D5-CC28D0594B88}" type="datetimeFigureOut">
               <a:rPr lang="de-AT" smtClean="0"/>
-              <a:t>01.05.2012</a:t>
+              <a:t>02.05.2012</a:t>
             </a:fld>
             <a:endParaRPr lang="de-AT"/>
           </a:p>
@@ -367,7 +373,7 @@
           <a:p>
             <a:fld id="{8D366977-9F2D-478E-A467-038E8D137FE7}" type="datetimeFigureOut">
               <a:rPr lang="de-AT" smtClean="0"/>
-              <a:t>01.05.2012</a:t>
+              <a:t>02.05.2012</a:t>
             </a:fld>
             <a:endParaRPr lang="de-AT"/>
           </a:p>
@@ -1120,7 +1126,7 @@
           <a:p>
             <a:fld id="{5E18ED07-597D-4F4C-A66B-62AEF3EE50EF}" type="slidenum">
               <a:rPr lang="de-AT" smtClean="0"/>
-              <a:t>6</a:t>
+              <a:t>12</a:t>
             </a:fld>
             <a:endParaRPr lang="de-AT"/>
           </a:p>
@@ -1204,7 +1210,7 @@
           <a:p>
             <a:fld id="{5E18ED07-597D-4F4C-A66B-62AEF3EE50EF}" type="slidenum">
               <a:rPr lang="de-AT" smtClean="0"/>
-              <a:t>7</a:t>
+              <a:t>13</a:t>
             </a:fld>
             <a:endParaRPr lang="de-AT"/>
           </a:p>
@@ -1288,7 +1294,7 @@
           <a:p>
             <a:fld id="{5E18ED07-597D-4F4C-A66B-62AEF3EE50EF}" type="slidenum">
               <a:rPr lang="de-AT" smtClean="0"/>
-              <a:t>8</a:t>
+              <a:t>14</a:t>
             </a:fld>
             <a:endParaRPr lang="de-AT"/>
           </a:p>
@@ -1499,7 +1505,7 @@
           <a:p>
             <a:fld id="{C294DD41-CBA7-4BB0-9080-1DC8C604D4F2}" type="datetime1">
               <a:rPr lang="de-AT" smtClean="0"/>
-              <a:t>01.05.2012</a:t>
+              <a:t>02.05.2012</a:t>
             </a:fld>
             <a:endParaRPr lang="de-AT"/>
           </a:p>
@@ -1675,7 +1681,7 @@
           <a:p>
             <a:fld id="{857C222E-AEAB-4D21-B1F3-198065702CA2}" type="datetime1">
               <a:rPr lang="de-AT" smtClean="0"/>
-              <a:t>01.05.2012</a:t>
+              <a:t>02.05.2012</a:t>
             </a:fld>
             <a:endParaRPr lang="de-AT"/>
           </a:p>
@@ -1861,7 +1867,7 @@
           <a:p>
             <a:fld id="{BE35B029-5476-42F6-9856-B4FD76AAD523}" type="datetime1">
               <a:rPr lang="de-AT" smtClean="0"/>
-              <a:t>01.05.2012</a:t>
+              <a:t>02.05.2012</a:t>
             </a:fld>
             <a:endParaRPr lang="de-AT"/>
           </a:p>
@@ -2069,7 +2075,7 @@
           <a:p>
             <a:fld id="{98932FBD-FC49-442A-8FB3-9375745BE1D1}" type="datetime1">
               <a:rPr lang="de-AT" smtClean="0"/>
-              <a:t>01.05.2012</a:t>
+              <a:t>02.05.2012</a:t>
             </a:fld>
             <a:endParaRPr lang="de-AT"/>
           </a:p>
@@ -2522,7 +2528,7 @@
           <a:p>
             <a:fld id="{52EFE97E-364B-46F5-9E0A-7AD55D2B95C6}" type="datetime1">
               <a:rPr lang="de-AT" smtClean="0"/>
-              <a:t>01.05.2012</a:t>
+              <a:t>02.05.2012</a:t>
             </a:fld>
             <a:endParaRPr lang="de-AT"/>
           </a:p>
@@ -2881,7 +2887,7 @@
           <a:p>
             <a:fld id="{8878782C-7465-493D-8868-830776511646}" type="datetime1">
               <a:rPr lang="de-AT" smtClean="0"/>
-              <a:t>01.05.2012</a:t>
+              <a:t>02.05.2012</a:t>
             </a:fld>
             <a:endParaRPr lang="de-AT"/>
           </a:p>
@@ -3193,7 +3199,7 @@
           <a:p>
             <a:fld id="{6E35F050-97A8-4698-B11C-911CBD925F76}" type="datetime1">
               <a:rPr lang="de-AT" smtClean="0"/>
-              <a:t>01.05.2012</a:t>
+              <a:t>02.05.2012</a:t>
             </a:fld>
             <a:endParaRPr lang="de-AT"/>
           </a:p>
@@ -3424,7 +3430,7 @@
           <a:p>
             <a:fld id="{BEBC0FF8-55FA-4B0D-A68B-65921015E68B}" type="datetime1">
               <a:rPr lang="de-AT" smtClean="0"/>
-              <a:t>01.05.2012</a:t>
+              <a:t>02.05.2012</a:t>
             </a:fld>
             <a:endParaRPr lang="de-AT"/>
           </a:p>
@@ -3518,7 +3524,7 @@
           <a:p>
             <a:fld id="{95F6F4E3-603E-489C-8AD5-DF638C2180FC}" type="datetime1">
               <a:rPr lang="de-AT" smtClean="0"/>
-              <a:t>01.05.2012</a:t>
+              <a:t>02.05.2012</a:t>
             </a:fld>
             <a:endParaRPr lang="de-AT"/>
           </a:p>
@@ -3817,7 +3823,7 @@
           <a:p>
             <a:fld id="{BBB3EB15-868B-491D-B534-67F805436F7F}" type="datetime1">
               <a:rPr lang="de-AT" smtClean="0"/>
-              <a:t>01.05.2012</a:t>
+              <a:t>02.05.2012</a:t>
             </a:fld>
             <a:endParaRPr lang="de-AT"/>
           </a:p>
@@ -4097,7 +4103,7 @@
           <a:p>
             <a:fld id="{B19ABC60-8A1D-46A7-BE5B-DCEE49231FA2}" type="datetime1">
               <a:rPr lang="de-AT" smtClean="0"/>
-              <a:t>01.05.2012</a:t>
+              <a:t>02.05.2012</a:t>
             </a:fld>
             <a:endParaRPr lang="de-AT"/>
           </a:p>
@@ -4318,7 +4324,7 @@
           <a:p>
             <a:fld id="{6C6ED1B5-2679-4057-8F1E-0A574AC8CF17}" type="datetime1">
               <a:rPr lang="de-AT" smtClean="0"/>
-              <a:t>01.05.2012</a:t>
+              <a:t>02.05.2012</a:t>
             </a:fld>
             <a:endParaRPr lang="de-AT"/>
           </a:p>
@@ -4931,7 +4937,7 @@
 </p:sld>
 </file>
 
-<file path=ppt/slides/slide2.xml><?xml version="1.0" encoding="utf-8"?>
+<file path=ppt/slides/slide10.xml><?xml version="1.0" encoding="utf-8"?>
 <p:sld xmlns:a="http://schemas.openxmlformats.org/drawingml/2006/main" xmlns:r="http://schemas.openxmlformats.org/officeDocument/2006/relationships" xmlns:p="http://schemas.openxmlformats.org/presentationml/2006/main">
   <p:cSld>
     <p:spTree>
@@ -4950,7 +4956,7 @@
       </p:grpSpPr>
       <p:sp>
         <p:nvSpPr>
-          <p:cNvPr id="19" name="Titel 18"/>
+          <p:cNvPr id="2" name="Titel 1"/>
           <p:cNvSpPr>
             <a:spLocks noGrp="1"/>
           </p:cNvSpPr>
@@ -4963,17 +4969,13 @@
           <a:bodyPr/>
           <a:lstStyle/>
           <a:p>
-            <a:r>
-              <a:rPr lang="de-AT" dirty="0" smtClean="0"/>
-              <a:t>Überblick</a:t>
-            </a:r>
-            <a:endParaRPr lang="de-AT" dirty="0"/>
-          </a:p>
-        </p:txBody>
-      </p:sp>
-      <p:sp>
-        <p:nvSpPr>
-          <p:cNvPr id="20" name="Inhaltsplatzhalter 19"/>
+            <a:endParaRPr lang="de-AT"/>
+          </a:p>
+        </p:txBody>
+      </p:sp>
+      <p:sp>
+        <p:nvSpPr>
+          <p:cNvPr id="3" name="Inhaltsplatzhalter 2"/>
           <p:cNvSpPr>
             <a:spLocks noGrp="1"/>
           </p:cNvSpPr>
@@ -4986,37 +4988,7 @@
           <a:bodyPr/>
           <a:lstStyle/>
           <a:p>
-            <a:r>
-              <a:rPr lang="de-AT" dirty="0" smtClean="0"/>
-              <a:t>Ausgangssituation</a:t>
-            </a:r>
-          </a:p>
-          <a:p>
-            <a:r>
-              <a:rPr lang="de-AT" dirty="0" smtClean="0"/>
-              <a:t>Idee</a:t>
-            </a:r>
-          </a:p>
-          <a:p>
-            <a:r>
-              <a:rPr lang="de-AT" dirty="0" smtClean="0"/>
-              <a:t>Erreichte Ziele</a:t>
-            </a:r>
-          </a:p>
-          <a:p>
-            <a:r>
-              <a:rPr lang="de-AT" dirty="0" smtClean="0"/>
-              <a:t>Innovation</a:t>
-            </a:r>
-          </a:p>
-          <a:p>
-            <a:r>
-              <a:rPr lang="de-AT" dirty="0" smtClean="0"/>
-              <a:t>Ausblick</a:t>
-            </a:r>
-          </a:p>
-          <a:p>
-            <a:endParaRPr lang="de-AT" dirty="0"/>
+            <a:endParaRPr lang="de-AT"/>
           </a:p>
         </p:txBody>
       </p:sp>
@@ -5039,7 +5011,7 @@
               <a:rPr lang="de-AT" smtClean="0"/>
               <a:t>Bernhard Fritz, Patrick Schwarz</a:t>
             </a:r>
-            <a:endParaRPr lang="de-AT"/>
+            <a:endParaRPr lang="de-AT" dirty="0"/>
           </a:p>
         </p:txBody>
       </p:sp>
@@ -5060,8 +5032,7 @@
           <a:p>
             <a:fld id="{6F3A5F7C-4A61-4A7C-8D3B-627959241671}" type="slidenum">
               <a:rPr lang="de-AT" smtClean="0"/>
-              <a:pPr/>
-              <a:t>2</a:t>
+              <a:t>10</a:t>
             </a:fld>
             <a:endParaRPr lang="de-AT"/>
           </a:p>
@@ -5069,235 +5040,6 @@
       </p:sp>
       <p:sp>
         <p:nvSpPr>
-          <p:cNvPr id="10" name="Textplatzhalter 9"/>
-          <p:cNvSpPr>
-            <a:spLocks noGrp="1"/>
-          </p:cNvSpPr>
-          <p:nvPr>
-            <p:ph type="body" sz="quarter" idx="13"/>
-          </p:nvPr>
-        </p:nvSpPr>
-        <p:spPr/>
-        <p:txBody>
-          <a:bodyPr>
-            <a:normAutofit/>
-          </a:bodyPr>
-          <a:lstStyle/>
-          <a:p>
-            <a:r>
-              <a:rPr lang="de-AT" dirty="0" smtClean="0"/>
-              <a:t>Automatische Fischfütterungsanlage mit Webinterface</a:t>
-            </a:r>
-            <a:endParaRPr lang="de-AT" dirty="0"/>
-          </a:p>
-        </p:txBody>
-      </p:sp>
-      <p:sp>
-        <p:nvSpPr>
-          <p:cNvPr id="21" name="Textplatzhalter 20"/>
-          <p:cNvSpPr>
-            <a:spLocks noGrp="1"/>
-          </p:cNvSpPr>
-          <p:nvPr>
-            <p:ph type="body" sz="quarter" idx="14"/>
-          </p:nvPr>
-        </p:nvSpPr>
-        <p:spPr/>
-        <p:txBody>
-          <a:bodyPr/>
-          <a:lstStyle/>
-          <a:p>
-            <a:r>
-              <a:rPr lang="de-AT" dirty="0" smtClean="0"/>
-              <a:t>HW5A</a:t>
-            </a:r>
-            <a:endParaRPr lang="de-AT" dirty="0"/>
-          </a:p>
-        </p:txBody>
-      </p:sp>
-    </p:spTree>
-    <p:extLst>
-      <p:ext uri="{BB962C8B-B14F-4D97-AF65-F5344CB8AC3E}">
-        <p14:creationId xmlns:p14="http://schemas.microsoft.com/office/powerpoint/2010/main" val="3176047418"/>
-      </p:ext>
-    </p:extLst>
-  </p:cSld>
-  <p:clrMapOvr>
-    <a:masterClrMapping/>
-  </p:clrMapOvr>
-  <p:timing>
-    <p:tnLst>
-      <p:par>
-        <p:cTn id="1" dur="indefinite" restart="never" nodeType="tmRoot"/>
-      </p:par>
-    </p:tnLst>
-  </p:timing>
-</p:sld>
-</file>
-
-<file path=ppt/slides/slide3.xml><?xml version="1.0" encoding="utf-8"?>
-<p:sld xmlns:a="http://schemas.openxmlformats.org/drawingml/2006/main" xmlns:r="http://schemas.openxmlformats.org/officeDocument/2006/relationships" xmlns:p="http://schemas.openxmlformats.org/presentationml/2006/main">
-  <p:cSld>
-    <p:spTree>
-      <p:nvGrpSpPr>
-        <p:cNvPr id="1" name=""/>
-        <p:cNvGrpSpPr/>
-        <p:nvPr/>
-      </p:nvGrpSpPr>
-      <p:grpSpPr>
-        <a:xfrm>
-          <a:off x="0" y="0"/>
-          <a:ext cx="0" cy="0"/>
-          <a:chOff x="0" y="0"/>
-          <a:chExt cx="0" cy="0"/>
-        </a:xfrm>
-      </p:grpSpPr>
-      <p:sp>
-        <p:nvSpPr>
-          <p:cNvPr id="2" name="Titel 1"/>
-          <p:cNvSpPr>
-            <a:spLocks noGrp="1"/>
-          </p:cNvSpPr>
-          <p:nvPr>
-            <p:ph type="title"/>
-          </p:nvPr>
-        </p:nvSpPr>
-        <p:spPr/>
-        <p:txBody>
-          <a:bodyPr/>
-          <a:lstStyle/>
-          <a:p>
-            <a:r>
-              <a:rPr lang="de-AT" dirty="0" smtClean="0"/>
-              <a:t>Ausgangssituation</a:t>
-            </a:r>
-            <a:endParaRPr lang="de-AT" dirty="0"/>
-          </a:p>
-        </p:txBody>
-      </p:sp>
-      <p:sp>
-        <p:nvSpPr>
-          <p:cNvPr id="3" name="Inhaltsplatzhalter 2"/>
-          <p:cNvSpPr>
-            <a:spLocks noGrp="1"/>
-          </p:cNvSpPr>
-          <p:nvPr>
-            <p:ph idx="1"/>
-          </p:nvPr>
-        </p:nvSpPr>
-        <p:spPr/>
-        <p:txBody>
-          <a:bodyPr>
-            <a:normAutofit/>
-          </a:bodyPr>
-          <a:lstStyle/>
-          <a:p>
-            <a:r>
-              <a:rPr lang="de-AT" sz="2000" dirty="0" smtClean="0"/>
-              <a:t>Heimische Fischzuchtanlagen sind kleinstrukturierte Betriebe</a:t>
-            </a:r>
-            <a:br>
-              <a:rPr lang="de-AT" sz="2000" dirty="0" smtClean="0"/>
-            </a:br>
-            <a:endParaRPr lang="de-AT" sz="2000" dirty="0" smtClean="0"/>
-          </a:p>
-          <a:p>
-            <a:r>
-              <a:rPr lang="de-AT" sz="2000" dirty="0" smtClean="0"/>
-              <a:t>Professionelle </a:t>
-            </a:r>
-            <a:r>
-              <a:rPr lang="de-AT" sz="2000" smtClean="0"/>
-              <a:t>Fischaufzucht ist sehr </a:t>
-            </a:r>
-            <a:r>
-              <a:rPr lang="de-AT" sz="2000" dirty="0" smtClean="0"/>
-              <a:t>teuer</a:t>
-            </a:r>
-            <a:br>
-              <a:rPr lang="de-AT" sz="2000" dirty="0" smtClean="0"/>
-            </a:br>
-            <a:endParaRPr lang="de-AT" sz="2000" dirty="0" smtClean="0"/>
-          </a:p>
-          <a:p>
-            <a:r>
-              <a:rPr lang="de-AT" sz="2000" dirty="0" smtClean="0"/>
-              <a:t>Fütterung von Hand ist mit großem Kostenaufwand verbunden</a:t>
-            </a:r>
-            <a:br>
-              <a:rPr lang="de-AT" sz="2000" dirty="0" smtClean="0"/>
-            </a:br>
-            <a:endParaRPr lang="de-AT" sz="2000" dirty="0" smtClean="0"/>
-          </a:p>
-          <a:p>
-            <a:r>
-              <a:rPr lang="de-AT" sz="2000" dirty="0" smtClean="0"/>
-              <a:t>Finanzielle Mittel meist nicht ausreichend</a:t>
-            </a:r>
-            <a:br>
-              <a:rPr lang="de-AT" sz="2000" dirty="0" smtClean="0"/>
-            </a:br>
-            <a:endParaRPr lang="de-AT" sz="2000" dirty="0"/>
-          </a:p>
-          <a:p>
-            <a:r>
-              <a:rPr lang="de-AT" sz="2000" dirty="0" smtClean="0"/>
-              <a:t>Für wissenschaftliche und private Fischaufzucht gibt es kaum kostengünstige Lösungen</a:t>
-            </a:r>
-          </a:p>
-          <a:p>
-            <a:endParaRPr lang="de-AT" sz="2000" dirty="0" smtClean="0"/>
-          </a:p>
-        </p:txBody>
-      </p:sp>
-      <p:sp>
-        <p:nvSpPr>
-          <p:cNvPr id="4" name="Fußzeilenplatzhalter 3"/>
-          <p:cNvSpPr>
-            <a:spLocks noGrp="1"/>
-          </p:cNvSpPr>
-          <p:nvPr>
-            <p:ph type="ftr" sz="quarter" idx="11"/>
-          </p:nvPr>
-        </p:nvSpPr>
-        <p:spPr/>
-        <p:txBody>
-          <a:bodyPr/>
-          <a:lstStyle/>
-          <a:p>
-            <a:r>
-              <a:rPr lang="de-AT" smtClean="0"/>
-              <a:t>Bernhard Fritz, Patrick Schwarz</a:t>
-            </a:r>
-            <a:endParaRPr lang="de-AT" dirty="0"/>
-          </a:p>
-        </p:txBody>
-      </p:sp>
-      <p:sp>
-        <p:nvSpPr>
-          <p:cNvPr id="5" name="Foliennummernplatzhalter 4"/>
-          <p:cNvSpPr>
-            <a:spLocks noGrp="1"/>
-          </p:cNvSpPr>
-          <p:nvPr>
-            <p:ph type="sldNum" sz="quarter" idx="12"/>
-          </p:nvPr>
-        </p:nvSpPr>
-        <p:spPr/>
-        <p:txBody>
-          <a:bodyPr/>
-          <a:lstStyle/>
-          <a:p>
-            <a:fld id="{6F3A5F7C-4A61-4A7C-8D3B-627959241671}" type="slidenum">
-              <a:rPr lang="de-AT" smtClean="0"/>
-              <a:t>3</a:t>
-            </a:fld>
-            <a:endParaRPr lang="de-AT"/>
-          </a:p>
-        </p:txBody>
-      </p:sp>
-      <p:sp>
-        <p:nvSpPr>
           <p:cNvPr id="6" name="Textplatzhalter 5"/>
           <p:cNvSpPr>
             <a:spLocks noGrp="1"/>
@@ -5334,242 +5076,6 @@
           <a:lstStyle/>
           <a:p>
             <a:r>
-              <a:rPr lang="de-AT" dirty="0" smtClean="0"/>
-              <a:t>HW5A</a:t>
-            </a:r>
-            <a:endParaRPr lang="de-AT" dirty="0"/>
-          </a:p>
-        </p:txBody>
-      </p:sp>
-    </p:spTree>
-    <p:extLst>
-      <p:ext uri="{BB962C8B-B14F-4D97-AF65-F5344CB8AC3E}">
-        <p14:creationId xmlns:p14="http://schemas.microsoft.com/office/powerpoint/2010/main" val="4212220930"/>
-      </p:ext>
-    </p:extLst>
-  </p:cSld>
-  <p:clrMapOvr>
-    <a:masterClrMapping/>
-  </p:clrMapOvr>
-  <p:timing>
-    <p:tnLst>
-      <p:par>
-        <p:cTn id="1" dur="indefinite" restart="never" nodeType="tmRoot"/>
-      </p:par>
-    </p:tnLst>
-  </p:timing>
-</p:sld>
-</file>
-
-<file path=ppt/slides/slide4.xml><?xml version="1.0" encoding="utf-8"?>
-<p:sld xmlns:a="http://schemas.openxmlformats.org/drawingml/2006/main" xmlns:r="http://schemas.openxmlformats.org/officeDocument/2006/relationships" xmlns:p="http://schemas.openxmlformats.org/presentationml/2006/main">
-  <p:cSld>
-    <p:spTree>
-      <p:nvGrpSpPr>
-        <p:cNvPr id="1" name=""/>
-        <p:cNvGrpSpPr/>
-        <p:nvPr/>
-      </p:nvGrpSpPr>
-      <p:grpSpPr>
-        <a:xfrm>
-          <a:off x="0" y="0"/>
-          <a:ext cx="0" cy="0"/>
-          <a:chOff x="0" y="0"/>
-          <a:chExt cx="0" cy="0"/>
-        </a:xfrm>
-      </p:grpSpPr>
-      <p:sp>
-        <p:nvSpPr>
-          <p:cNvPr id="2" name="Titel 1"/>
-          <p:cNvSpPr>
-            <a:spLocks noGrp="1"/>
-          </p:cNvSpPr>
-          <p:nvPr>
-            <p:ph type="title"/>
-          </p:nvPr>
-        </p:nvSpPr>
-        <p:spPr/>
-        <p:txBody>
-          <a:bodyPr/>
-          <a:lstStyle/>
-          <a:p>
-            <a:r>
-              <a:rPr lang="de-AT" dirty="0" smtClean="0"/>
-              <a:t>Idee</a:t>
-            </a:r>
-            <a:endParaRPr lang="de-AT" dirty="0"/>
-          </a:p>
-        </p:txBody>
-      </p:sp>
-      <p:sp>
-        <p:nvSpPr>
-          <p:cNvPr id="3" name="Inhaltsplatzhalter 2"/>
-          <p:cNvSpPr>
-            <a:spLocks noGrp="1"/>
-          </p:cNvSpPr>
-          <p:nvPr>
-            <p:ph idx="1"/>
-          </p:nvPr>
-        </p:nvSpPr>
-        <p:spPr>
-          <a:xfrm>
-            <a:off x="457200" y="2420888"/>
-            <a:ext cx="4114800" cy="3705275"/>
-          </a:xfrm>
-        </p:spPr>
-        <p:txBody>
-          <a:bodyPr anchor="t"/>
-          <a:lstStyle/>
-          <a:p>
-            <a:pPr marL="0" indent="0">
-              <a:buNone/>
-            </a:pPr>
-            <a:r>
-              <a:rPr lang="de-AT" dirty="0" smtClean="0"/>
-              <a:t>Entwicklung einer</a:t>
-            </a:r>
-            <a:br>
-              <a:rPr lang="de-AT" dirty="0" smtClean="0"/>
-            </a:br>
-            <a:endParaRPr lang="de-AT" dirty="0" smtClean="0"/>
-          </a:p>
-          <a:p>
-            <a:r>
-              <a:rPr lang="de-AT" sz="2000" dirty="0" smtClean="0"/>
-              <a:t>automatischen</a:t>
-            </a:r>
-          </a:p>
-          <a:p>
-            <a:r>
-              <a:rPr lang="de-AT" sz="2000" dirty="0" smtClean="0"/>
-              <a:t>voll programmierbaren</a:t>
-            </a:r>
-          </a:p>
-          <a:p>
-            <a:r>
-              <a:rPr lang="de-AT" sz="2000" dirty="0" smtClean="0"/>
-              <a:t>bedienungsfreundlichen</a:t>
-            </a:r>
-          </a:p>
-          <a:p>
-            <a:r>
-              <a:rPr lang="de-AT" sz="2000" dirty="0" smtClean="0"/>
-              <a:t>kostengünstigen</a:t>
-            </a:r>
-          </a:p>
-          <a:p>
-            <a:r>
-              <a:rPr lang="de-AT" sz="2000" dirty="0" smtClean="0"/>
-              <a:t>universell einsetzbaren</a:t>
-            </a:r>
-            <a:br>
-              <a:rPr lang="de-AT" sz="2000" dirty="0" smtClean="0"/>
-            </a:br>
-            <a:endParaRPr lang="de-AT" sz="2000" dirty="0" smtClean="0"/>
-          </a:p>
-          <a:p>
-            <a:pPr marL="0" indent="0">
-              <a:buNone/>
-            </a:pPr>
-            <a:r>
-              <a:rPr lang="de-AT" dirty="0" smtClean="0"/>
-              <a:t>Fischfütterungsanlage</a:t>
-            </a:r>
-          </a:p>
-          <a:p>
-            <a:endParaRPr lang="de-AT" dirty="0" smtClean="0"/>
-          </a:p>
-        </p:txBody>
-      </p:sp>
-      <p:sp>
-        <p:nvSpPr>
-          <p:cNvPr id="4" name="Fußzeilenplatzhalter 3"/>
-          <p:cNvSpPr>
-            <a:spLocks noGrp="1"/>
-          </p:cNvSpPr>
-          <p:nvPr>
-            <p:ph type="ftr" sz="quarter" idx="11"/>
-          </p:nvPr>
-        </p:nvSpPr>
-        <p:spPr/>
-        <p:txBody>
-          <a:bodyPr/>
-          <a:lstStyle/>
-          <a:p>
-            <a:r>
-              <a:rPr lang="de-AT" smtClean="0"/>
-              <a:t>Bernhard Fritz, Patrick Schwarz</a:t>
-            </a:r>
-            <a:endParaRPr lang="de-AT" dirty="0"/>
-          </a:p>
-        </p:txBody>
-      </p:sp>
-      <p:sp>
-        <p:nvSpPr>
-          <p:cNvPr id="5" name="Foliennummernplatzhalter 4"/>
-          <p:cNvSpPr>
-            <a:spLocks noGrp="1"/>
-          </p:cNvSpPr>
-          <p:nvPr>
-            <p:ph type="sldNum" sz="quarter" idx="12"/>
-          </p:nvPr>
-        </p:nvSpPr>
-        <p:spPr/>
-        <p:txBody>
-          <a:bodyPr/>
-          <a:lstStyle/>
-          <a:p>
-            <a:fld id="{6F3A5F7C-4A61-4A7C-8D3B-627959241671}" type="slidenum">
-              <a:rPr lang="de-AT" smtClean="0"/>
-              <a:t>4</a:t>
-            </a:fld>
-            <a:endParaRPr lang="de-AT"/>
-          </a:p>
-        </p:txBody>
-      </p:sp>
-      <p:sp>
-        <p:nvSpPr>
-          <p:cNvPr id="6" name="Textplatzhalter 5"/>
-          <p:cNvSpPr>
-            <a:spLocks noGrp="1"/>
-          </p:cNvSpPr>
-          <p:nvPr>
-            <p:ph type="body" sz="quarter" idx="13"/>
-          </p:nvPr>
-        </p:nvSpPr>
-        <p:spPr/>
-        <p:txBody>
-          <a:bodyPr/>
-          <a:lstStyle/>
-          <a:p>
-            <a:r>
-              <a:rPr lang="de-AT" dirty="0"/>
-              <a:t>Automatische Fischfütterungsanlage mit </a:t>
-            </a:r>
-            <a:r>
-              <a:rPr lang="de-AT" dirty="0" smtClean="0"/>
-              <a:t>Webinterface</a:t>
-            </a:r>
-            <a:endParaRPr lang="de-AT" dirty="0"/>
-          </a:p>
-        </p:txBody>
-      </p:sp>
-      <p:sp>
-        <p:nvSpPr>
-          <p:cNvPr id="7" name="Textplatzhalter 6"/>
-          <p:cNvSpPr>
-            <a:spLocks noGrp="1"/>
-          </p:cNvSpPr>
-          <p:nvPr>
-            <p:ph type="body" sz="quarter" idx="14"/>
-          </p:nvPr>
-        </p:nvSpPr>
-        <p:spPr/>
-        <p:txBody>
-          <a:bodyPr/>
-          <a:lstStyle/>
-          <a:p>
-            <a:r>
               <a:rPr lang="de-AT" dirty="0"/>
               <a:t>HW5A</a:t>
             </a:r>
@@ -5578,28 +5084,29 @@
       </p:sp>
       <p:pic>
         <p:nvPicPr>
-          <p:cNvPr id="2050" name="Picture 2"/>
+          <p:cNvPr id="9218" name="Picture 2" descr="C:\Users\Berny\Diplomarbeit\Diplomschrift\Bilder\logs.png"/>
           <p:cNvPicPr>
             <a:picLocks noChangeAspect="1" noChangeArrowheads="1"/>
           </p:cNvPicPr>
           <p:nvPr/>
         </p:nvPicPr>
         <p:blipFill>
-          <a:blip r:embed="rId3" cstate="print">
+          <a:blip r:embed="rId2">
             <a:extLst>
               <a:ext uri="{28A0092B-C50C-407E-A947-70E740481C1C}">
                 <a14:useLocalDpi xmlns:a14="http://schemas.microsoft.com/office/drawing/2010/main" val="0"/>
               </a:ext>
             </a:extLst>
           </a:blip>
+          <a:srcRect/>
           <a:stretch>
             <a:fillRect/>
           </a:stretch>
         </p:blipFill>
         <p:spPr bwMode="auto">
           <a:xfrm>
-            <a:off x="4211961" y="2564904"/>
-            <a:ext cx="4320479" cy="3183092"/>
+            <a:off x="1447502" y="1787376"/>
+            <a:ext cx="6292850" cy="3225800"/>
           </a:xfrm>
           <a:prstGeom prst="rect">
             <a:avLst/>
@@ -5619,7 +5126,7 @@
     </p:spTree>
     <p:extLst>
       <p:ext uri="{BB962C8B-B14F-4D97-AF65-F5344CB8AC3E}">
-        <p14:creationId xmlns:p14="http://schemas.microsoft.com/office/powerpoint/2010/main" val="1739739369"/>
+        <p14:creationId xmlns:p14="http://schemas.microsoft.com/office/powerpoint/2010/main" val="2190645838"/>
       </p:ext>
     </p:extLst>
   </p:cSld>
@@ -5636,7 +5143,7 @@
 </p:sld>
 </file>
 
-<file path=ppt/slides/slide5.xml><?xml version="1.0" encoding="utf-8"?>
+<file path=ppt/slides/slide11.xml><?xml version="1.0" encoding="utf-8"?>
 <p:sld xmlns:a="http://schemas.openxmlformats.org/drawingml/2006/main" xmlns:r="http://schemas.openxmlformats.org/officeDocument/2006/relationships" xmlns:p="http://schemas.openxmlformats.org/presentationml/2006/main">
   <p:cSld>
     <p:spTree>
@@ -5668,9 +5175,47 @@
           <a:bodyPr/>
           <a:lstStyle/>
           <a:p>
+            <a:endParaRPr lang="de-AT"/>
+          </a:p>
+        </p:txBody>
+      </p:sp>
+      <p:sp>
+        <p:nvSpPr>
+          <p:cNvPr id="3" name="Inhaltsplatzhalter 2"/>
+          <p:cNvSpPr>
+            <a:spLocks noGrp="1"/>
+          </p:cNvSpPr>
+          <p:nvPr>
+            <p:ph idx="1"/>
+          </p:nvPr>
+        </p:nvSpPr>
+        <p:spPr/>
+        <p:txBody>
+          <a:bodyPr/>
+          <a:lstStyle/>
+          <a:p>
+            <a:endParaRPr lang="de-AT"/>
+          </a:p>
+        </p:txBody>
+      </p:sp>
+      <p:sp>
+        <p:nvSpPr>
+          <p:cNvPr id="4" name="Fußzeilenplatzhalter 3"/>
+          <p:cNvSpPr>
+            <a:spLocks noGrp="1"/>
+          </p:cNvSpPr>
+          <p:nvPr>
+            <p:ph type="ftr" sz="quarter" idx="11"/>
+          </p:nvPr>
+        </p:nvSpPr>
+        <p:spPr/>
+        <p:txBody>
+          <a:bodyPr/>
+          <a:lstStyle/>
+          <a:p>
             <a:r>
               <a:rPr lang="de-AT" smtClean="0"/>
-              <a:t>Erreichte Ziele</a:t>
+              <a:t>Bernhard Fritz, Patrick Schwarz</a:t>
             </a:r>
             <a:endParaRPr lang="de-AT" dirty="0"/>
           </a:p>
@@ -5678,6 +5223,174 @@
       </p:sp>
       <p:sp>
         <p:nvSpPr>
+          <p:cNvPr id="5" name="Foliennummernplatzhalter 4"/>
+          <p:cNvSpPr>
+            <a:spLocks noGrp="1"/>
+          </p:cNvSpPr>
+          <p:nvPr>
+            <p:ph type="sldNum" sz="quarter" idx="12"/>
+          </p:nvPr>
+        </p:nvSpPr>
+        <p:spPr/>
+        <p:txBody>
+          <a:bodyPr/>
+          <a:lstStyle/>
+          <a:p>
+            <a:fld id="{6F3A5F7C-4A61-4A7C-8D3B-627959241671}" type="slidenum">
+              <a:rPr lang="de-AT" smtClean="0"/>
+              <a:t>11</a:t>
+            </a:fld>
+            <a:endParaRPr lang="de-AT"/>
+          </a:p>
+        </p:txBody>
+      </p:sp>
+      <p:sp>
+        <p:nvSpPr>
+          <p:cNvPr id="6" name="Textplatzhalter 5"/>
+          <p:cNvSpPr>
+            <a:spLocks noGrp="1"/>
+          </p:cNvSpPr>
+          <p:nvPr>
+            <p:ph type="body" sz="quarter" idx="13"/>
+          </p:nvPr>
+        </p:nvSpPr>
+        <p:spPr/>
+        <p:txBody>
+          <a:bodyPr/>
+          <a:lstStyle/>
+          <a:p>
+            <a:r>
+              <a:rPr lang="de-AT" dirty="0"/>
+              <a:t>Automatische Fischfütterungsanlage mit Webinterface</a:t>
+            </a:r>
+          </a:p>
+        </p:txBody>
+      </p:sp>
+      <p:sp>
+        <p:nvSpPr>
+          <p:cNvPr id="7" name="Textplatzhalter 6"/>
+          <p:cNvSpPr>
+            <a:spLocks noGrp="1"/>
+          </p:cNvSpPr>
+          <p:nvPr>
+            <p:ph type="body" sz="quarter" idx="14"/>
+          </p:nvPr>
+        </p:nvSpPr>
+        <p:spPr/>
+        <p:txBody>
+          <a:bodyPr/>
+          <a:lstStyle/>
+          <a:p>
+            <a:r>
+              <a:rPr lang="de-AT" dirty="0"/>
+              <a:t>HW5A</a:t>
+            </a:r>
+          </a:p>
+        </p:txBody>
+      </p:sp>
+      <p:pic>
+        <p:nvPicPr>
+          <p:cNvPr id="10242" name="Picture 2" descr="C:\Users\Berny\Diplomarbeit\Diplomschrift\Bilder\webinterface-config.png"/>
+          <p:cNvPicPr>
+            <a:picLocks noChangeAspect="1" noChangeArrowheads="1"/>
+          </p:cNvPicPr>
+          <p:nvPr/>
+        </p:nvPicPr>
+        <p:blipFill>
+          <a:blip r:embed="rId2">
+            <a:extLst>
+              <a:ext uri="{28A0092B-C50C-407E-A947-70E740481C1C}">
+                <a14:useLocalDpi xmlns:a14="http://schemas.microsoft.com/office/drawing/2010/main" val="0"/>
+              </a:ext>
+            </a:extLst>
+          </a:blip>
+          <a:srcRect/>
+          <a:stretch>
+            <a:fillRect/>
+          </a:stretch>
+        </p:blipFill>
+        <p:spPr bwMode="auto">
+          <a:xfrm>
+            <a:off x="1475656" y="1599034"/>
+            <a:ext cx="6267450" cy="3486150"/>
+          </a:xfrm>
+          <a:prstGeom prst="rect">
+            <a:avLst/>
+          </a:prstGeom>
+          <a:noFill/>
+          <a:extLst>
+            <a:ext uri="{909E8E84-426E-40DD-AFC4-6F175D3DCCD1}">
+              <a14:hiddenFill xmlns:a14="http://schemas.microsoft.com/office/drawing/2010/main">
+                <a:solidFill>
+                  <a:srgbClr val="FFFFFF"/>
+                </a:solidFill>
+              </a14:hiddenFill>
+            </a:ext>
+          </a:extLst>
+        </p:spPr>
+      </p:pic>
+    </p:spTree>
+    <p:extLst>
+      <p:ext uri="{BB962C8B-B14F-4D97-AF65-F5344CB8AC3E}">
+        <p14:creationId xmlns:p14="http://schemas.microsoft.com/office/powerpoint/2010/main" val="3201159714"/>
+      </p:ext>
+    </p:extLst>
+  </p:cSld>
+  <p:clrMapOvr>
+    <a:masterClrMapping/>
+  </p:clrMapOvr>
+  <p:timing>
+    <p:tnLst>
+      <p:par>
+        <p:cTn id="1" dur="indefinite" restart="never" nodeType="tmRoot"/>
+      </p:par>
+    </p:tnLst>
+  </p:timing>
+</p:sld>
+</file>
+
+<file path=ppt/slides/slide12.xml><?xml version="1.0" encoding="utf-8"?>
+<p:sld xmlns:a="http://schemas.openxmlformats.org/drawingml/2006/main" xmlns:r="http://schemas.openxmlformats.org/officeDocument/2006/relationships" xmlns:p="http://schemas.openxmlformats.org/presentationml/2006/main">
+  <p:cSld>
+    <p:spTree>
+      <p:nvGrpSpPr>
+        <p:cNvPr id="1" name=""/>
+        <p:cNvGrpSpPr/>
+        <p:nvPr/>
+      </p:nvGrpSpPr>
+      <p:grpSpPr>
+        <a:xfrm>
+          <a:off x="0" y="0"/>
+          <a:ext cx="0" cy="0"/>
+          <a:chOff x="0" y="0"/>
+          <a:chExt cx="0" cy="0"/>
+        </a:xfrm>
+      </p:grpSpPr>
+      <p:sp>
+        <p:nvSpPr>
+          <p:cNvPr id="2" name="Titel 1"/>
+          <p:cNvSpPr>
+            <a:spLocks noGrp="1"/>
+          </p:cNvSpPr>
+          <p:nvPr>
+            <p:ph type="title"/>
+          </p:nvPr>
+        </p:nvSpPr>
+        <p:spPr/>
+        <p:txBody>
+          <a:bodyPr/>
+          <a:lstStyle/>
+          <a:p>
+            <a:r>
+              <a:rPr lang="de-AT" dirty="0" smtClean="0"/>
+              <a:t>Innovation</a:t>
+            </a:r>
+            <a:endParaRPr lang="de-AT" dirty="0"/>
+          </a:p>
+        </p:txBody>
+      </p:sp>
+      <p:sp>
+        <p:nvSpPr>
           <p:cNvPr id="3" name="Inhaltsplatzhalter 2"/>
           <p:cNvSpPr>
             <a:spLocks noGrp="1"/>
@@ -5689,13 +5402,13 @@
         <p:spPr/>
         <p:txBody>
           <a:bodyPr>
-            <a:normAutofit fontScale="92500" lnSpcReduction="20000"/>
+            <a:normAutofit lnSpcReduction="10000"/>
           </a:bodyPr>
           <a:lstStyle/>
           <a:p>
             <a:r>
               <a:rPr lang="de-AT" dirty="0" smtClean="0"/>
-              <a:t>Futter kann in beliebigen Mengen abgegeben werden</a:t>
+              <a:t>Futterabgabe sowie Dosierung durch Rotation eines konischen Futterbehälters</a:t>
             </a:r>
             <a:br>
               <a:rPr lang="de-AT" dirty="0" smtClean="0"/>
@@ -5705,7 +5418,7 @@
           <a:p>
             <a:r>
               <a:rPr lang="de-AT" dirty="0" smtClean="0"/>
-              <a:t>Futterzeiten sind frei konfigurierbar</a:t>
+              <a:t>Netzwerkfähigkeit der Elektronik</a:t>
             </a:r>
             <a:br>
               <a:rPr lang="de-AT" dirty="0" smtClean="0"/>
@@ -5715,7 +5428,7 @@
           <a:p>
             <a:r>
               <a:rPr lang="de-AT" dirty="0" smtClean="0"/>
-              <a:t>Kontrolle und Steuerung durch Webinterface</a:t>
+              <a:t>Fernwartung durch Webinterface</a:t>
             </a:r>
             <a:br>
               <a:rPr lang="de-AT" dirty="0" smtClean="0"/>
@@ -5725,7 +5438,7 @@
           <a:p>
             <a:r>
               <a:rPr lang="de-AT" dirty="0" smtClean="0"/>
-              <a:t>Überschaubarer Kostenaufwand</a:t>
+              <a:t>Grafische Auswertung der Sensordaten</a:t>
             </a:r>
             <a:br>
               <a:rPr lang="de-AT" dirty="0" smtClean="0"/>
@@ -5735,26 +5448,8 @@
           <a:p>
             <a:r>
               <a:rPr lang="de-AT" dirty="0" smtClean="0"/>
-              <a:t>Messen und Archivieren von Daten (Statistik)</a:t>
-            </a:r>
-            <a:br>
-              <a:rPr lang="de-AT" dirty="0" smtClean="0"/>
-            </a:br>
-            <a:endParaRPr lang="de-AT" dirty="0" smtClean="0"/>
-          </a:p>
-          <a:p>
-            <a:r>
-              <a:rPr lang="de-AT" dirty="0" smtClean="0"/>
-              <a:t>Verständigung des Betreibers bei Störungen im Betriebsablauf</a:t>
-            </a:r>
-          </a:p>
-          <a:p>
-            <a:endParaRPr lang="de-AT" dirty="0" smtClean="0"/>
-          </a:p>
-          <a:p>
-            <a:endParaRPr lang="de-AT" dirty="0" smtClean="0"/>
-          </a:p>
-          <a:p>
+              <a:t>Automatische Warnmitteilungen über E-Mail</a:t>
+            </a:r>
             <a:endParaRPr lang="de-AT" dirty="0"/>
           </a:p>
         </p:txBody>
@@ -5799,8 +5494,7 @@
           <a:p>
             <a:fld id="{6F3A5F7C-4A61-4A7C-8D3B-627959241671}" type="slidenum">
               <a:rPr lang="de-AT" smtClean="0"/>
-              <a:pPr/>
-              <a:t>5</a:t>
+              <a:t>12</a:t>
             </a:fld>
             <a:endParaRPr lang="de-AT"/>
           </a:p>
@@ -5808,7 +5502,7 @@
       </p:sp>
       <p:sp>
         <p:nvSpPr>
-          <p:cNvPr id="12" name="Textplatzhalter 11"/>
+          <p:cNvPr id="6" name="Textplatzhalter 5"/>
           <p:cNvSpPr>
             <a:spLocks noGrp="1"/>
           </p:cNvSpPr>
@@ -5835,7 +5529,7 @@
       </p:sp>
       <p:sp>
         <p:nvSpPr>
-          <p:cNvPr id="13" name="Textplatzhalter 12"/>
+          <p:cNvPr id="7" name="Textplatzhalter 6"/>
           <p:cNvSpPr>
             <a:spLocks noGrp="1"/>
           </p:cNvSpPr>
@@ -5857,7 +5551,7 @@
       </p:sp>
       <p:pic>
         <p:nvPicPr>
-          <p:cNvPr id="1028" name="Picture 4" descr="C:\Users\Berny\Diplomarbeit\Diplomschrift\Bilder\index.png"/>
+          <p:cNvPr id="4099" name="Picture 3" descr="C:\Users\Berny\Diplomarbeit\Diplomarbeitspräsentation\Bilder\photo.PNG"/>
           <p:cNvPicPr>
             <a:picLocks noChangeAspect="1" noChangeArrowheads="1"/>
           </p:cNvPicPr>
@@ -5878,8 +5572,8 @@
         </p:blipFill>
         <p:spPr bwMode="auto">
           <a:xfrm>
-            <a:off x="1403648" y="615404"/>
-            <a:ext cx="6273800" cy="5549900"/>
+            <a:off x="3059832" y="1844824"/>
+            <a:ext cx="3048000" cy="4572000"/>
           </a:xfrm>
           <a:prstGeom prst="rect">
             <a:avLst/>
@@ -5899,7 +5593,7 @@
     </p:spTree>
     <p:extLst>
       <p:ext uri="{BB962C8B-B14F-4D97-AF65-F5344CB8AC3E}">
-        <p14:creationId xmlns:p14="http://schemas.microsoft.com/office/powerpoint/2010/main" val="357310147"/>
+        <p14:creationId xmlns:p14="http://schemas.microsoft.com/office/powerpoint/2010/main" val="4288555012"/>
       </p:ext>
     </p:extLst>
   </p:cSld>
@@ -5927,7 +5621,7 @@
                             </p:stCondLst>
                             <p:childTnLst>
                               <p:par>
-                                <p:cTn id="5" presetID="2" presetClass="entr" presetSubtype="2" fill="hold" nodeType="clickEffect">
+                                <p:cTn id="5" presetID="10" presetClass="entr" presetSubtype="0" fill="hold" nodeType="clickEffect">
                                   <p:stCondLst>
                                     <p:cond delay="0"/>
                                   </p:stCondLst>
@@ -5940,7 +5634,7 @@
                                           </p:stCondLst>
                                         </p:cTn>
                                         <p:tgtEl>
-                                          <p:spTgt spid="1028"/>
+                                          <p:spTgt spid="4099"/>
                                         </p:tgtEl>
                                         <p:attrNameLst>
                                           <p:attrName>style.visibility</p:attrName>
@@ -5950,52 +5644,14 @@
                                         <p:strVal val="visible"/>
                                       </p:to>
                                     </p:set>
-                                    <p:anim calcmode="lin" valueType="num">
-                                      <p:cBhvr additive="base">
-                                        <p:cTn id="7" dur="500" fill="hold"/>
+                                    <p:animEffect transition="in" filter="fade">
+                                      <p:cBhvr>
+                                        <p:cTn id="7" dur="500"/>
                                         <p:tgtEl>
-                                          <p:spTgt spid="1028"/>
+                                          <p:spTgt spid="4099"/>
                                         </p:tgtEl>
-                                        <p:attrNameLst>
-                                          <p:attrName>ppt_x</p:attrName>
-                                        </p:attrNameLst>
                                       </p:cBhvr>
-                                      <p:tavLst>
-                                        <p:tav tm="0">
-                                          <p:val>
-                                            <p:strVal val="1+#ppt_w/2"/>
-                                          </p:val>
-                                        </p:tav>
-                                        <p:tav tm="100000">
-                                          <p:val>
-                                            <p:strVal val="#ppt_x"/>
-                                          </p:val>
-                                        </p:tav>
-                                      </p:tavLst>
-                                    </p:anim>
-                                    <p:anim calcmode="lin" valueType="num">
-                                      <p:cBhvr additive="base">
-                                        <p:cTn id="8" dur="500" fill="hold"/>
-                                        <p:tgtEl>
-                                          <p:spTgt spid="1028"/>
-                                        </p:tgtEl>
-                                        <p:attrNameLst>
-                                          <p:attrName>ppt_y</p:attrName>
-                                        </p:attrNameLst>
-                                      </p:cBhvr>
-                                      <p:tavLst>
-                                        <p:tav tm="0">
-                                          <p:val>
-                                            <p:strVal val="#ppt_y"/>
-                                          </p:val>
-                                        </p:tav>
-                                        <p:tav tm="100000">
-                                          <p:val>
-                                            <p:strVal val="#ppt_y"/>
-                                          </p:val>
-                                        </p:tav>
-                                      </p:tavLst>
-                                    </p:anim>
+                                    </p:animEffect>
                                   </p:childTnLst>
                                 </p:cTn>
                               </p:par>
@@ -6006,78 +5662,40 @@
                     </p:cTn>
                   </p:par>
                   <p:par>
-                    <p:cTn id="9" fill="hold">
+                    <p:cTn id="8" fill="hold">
                       <p:stCondLst>
                         <p:cond delay="indefinite"/>
                       </p:stCondLst>
                       <p:childTnLst>
                         <p:par>
-                          <p:cTn id="10" fill="hold">
+                          <p:cTn id="9" fill="hold">
                             <p:stCondLst>
                               <p:cond delay="0"/>
                             </p:stCondLst>
                             <p:childTnLst>
                               <p:par>
-                                <p:cTn id="11" presetID="2" presetClass="exit" presetSubtype="2" fill="hold" nodeType="clickEffect">
+                                <p:cTn id="10" presetID="10" presetClass="exit" presetSubtype="0" fill="hold" nodeType="clickEffect">
                                   <p:stCondLst>
                                     <p:cond delay="0"/>
                                   </p:stCondLst>
                                   <p:childTnLst>
-                                    <p:anim calcmode="lin" valueType="num">
-                                      <p:cBhvr additive="base">
-                                        <p:cTn id="12" dur="500"/>
+                                    <p:animEffect transition="out" filter="fade">
+                                      <p:cBhvr>
+                                        <p:cTn id="11" dur="500"/>
                                         <p:tgtEl>
-                                          <p:spTgt spid="1028"/>
+                                          <p:spTgt spid="4099"/>
                                         </p:tgtEl>
-                                        <p:attrNameLst>
-                                          <p:attrName>ppt_x</p:attrName>
-                                        </p:attrNameLst>
                                       </p:cBhvr>
-                                      <p:tavLst>
-                                        <p:tav tm="0">
-                                          <p:val>
-                                            <p:strVal val="ppt_x"/>
-                                          </p:val>
-                                        </p:tav>
-                                        <p:tav tm="100000">
-                                          <p:val>
-                                            <p:strVal val="1+ppt_w/2"/>
-                                          </p:val>
-                                        </p:tav>
-                                      </p:tavLst>
-                                    </p:anim>
-                                    <p:anim calcmode="lin" valueType="num">
-                                      <p:cBhvr additive="base">
-                                        <p:cTn id="13" dur="500"/>
-                                        <p:tgtEl>
-                                          <p:spTgt spid="1028"/>
-                                        </p:tgtEl>
-                                        <p:attrNameLst>
-                                          <p:attrName>ppt_y</p:attrName>
-                                        </p:attrNameLst>
-                                      </p:cBhvr>
-                                      <p:tavLst>
-                                        <p:tav tm="0">
-                                          <p:val>
-                                            <p:strVal val="ppt_y"/>
-                                          </p:val>
-                                        </p:tav>
-                                        <p:tav tm="100000">
-                                          <p:val>
-                                            <p:strVal val="ppt_y"/>
-                                          </p:val>
-                                        </p:tav>
-                                      </p:tavLst>
-                                    </p:anim>
+                                    </p:animEffect>
                                     <p:set>
                                       <p:cBhvr>
-                                        <p:cTn id="14" dur="1" fill="hold">
+                                        <p:cTn id="12" dur="1" fill="hold">
                                           <p:stCondLst>
                                             <p:cond delay="499"/>
                                           </p:stCondLst>
                                         </p:cTn>
                                         <p:tgtEl>
-                                          <p:spTgt spid="1028"/>
+                                          <p:spTgt spid="4099"/>
                                         </p:tgtEl>
                                         <p:attrNameLst>
                                           <p:attrName>style.visibility</p:attrName>
@@ -6121,6 +5739,1414 @@
 </p:sld>
 </file>
 
+<file path=ppt/slides/slide13.xml><?xml version="1.0" encoding="utf-8"?>
+<p:sld xmlns:a="http://schemas.openxmlformats.org/drawingml/2006/main" xmlns:r="http://schemas.openxmlformats.org/officeDocument/2006/relationships" xmlns:p="http://schemas.openxmlformats.org/presentationml/2006/main">
+  <p:cSld>
+    <p:spTree>
+      <p:nvGrpSpPr>
+        <p:cNvPr id="1" name=""/>
+        <p:cNvGrpSpPr/>
+        <p:nvPr/>
+      </p:nvGrpSpPr>
+      <p:grpSpPr>
+        <a:xfrm>
+          <a:off x="0" y="0"/>
+          <a:ext cx="0" cy="0"/>
+          <a:chOff x="0" y="0"/>
+          <a:chExt cx="0" cy="0"/>
+        </a:xfrm>
+      </p:grpSpPr>
+      <p:sp>
+        <p:nvSpPr>
+          <p:cNvPr id="2" name="Titel 1"/>
+          <p:cNvSpPr>
+            <a:spLocks noGrp="1"/>
+          </p:cNvSpPr>
+          <p:nvPr>
+            <p:ph type="title"/>
+          </p:nvPr>
+        </p:nvSpPr>
+        <p:spPr/>
+        <p:txBody>
+          <a:bodyPr/>
+          <a:lstStyle/>
+          <a:p>
+            <a:r>
+              <a:rPr lang="de-AT" dirty="0" smtClean="0"/>
+              <a:t>Ausblick</a:t>
+            </a:r>
+            <a:endParaRPr lang="de-AT" dirty="0"/>
+          </a:p>
+        </p:txBody>
+      </p:sp>
+      <p:sp>
+        <p:nvSpPr>
+          <p:cNvPr id="3" name="Inhaltsplatzhalter 2"/>
+          <p:cNvSpPr>
+            <a:spLocks noGrp="1"/>
+          </p:cNvSpPr>
+          <p:nvPr>
+            <p:ph idx="1"/>
+          </p:nvPr>
+        </p:nvSpPr>
+        <p:spPr/>
+        <p:txBody>
+          <a:bodyPr/>
+          <a:lstStyle/>
+          <a:p>
+            <a:r>
+              <a:rPr lang="de-AT" dirty="0" smtClean="0"/>
+              <a:t>Überwachung durch Webcam</a:t>
+            </a:r>
+            <a:br>
+              <a:rPr lang="de-AT" dirty="0" smtClean="0"/>
+            </a:br>
+            <a:endParaRPr lang="de-AT" dirty="0" smtClean="0"/>
+          </a:p>
+          <a:p>
+            <a:r>
+              <a:rPr lang="de-AT" dirty="0" smtClean="0"/>
+              <a:t>Elektronische Steuerung der künstlichen Beleuchtung im </a:t>
+            </a:r>
+            <a:r>
+              <a:rPr lang="de-AT" dirty="0" err="1" smtClean="0"/>
+              <a:t>Bruthaus</a:t>
+            </a:r>
+            <a:r>
+              <a:rPr lang="de-AT" dirty="0" smtClean="0"/>
+              <a:t> bei Wegfall des Tageslichtes</a:t>
+            </a:r>
+            <a:br>
+              <a:rPr lang="de-AT" dirty="0" smtClean="0"/>
+            </a:br>
+            <a:endParaRPr lang="de-AT" dirty="0" smtClean="0"/>
+          </a:p>
+          <a:p>
+            <a:r>
+              <a:rPr lang="de-AT" dirty="0" smtClean="0"/>
+              <a:t>Futtermanagementsoftware zur </a:t>
+            </a:r>
+            <a:r>
+              <a:rPr lang="de-AT" dirty="0"/>
+              <a:t>G</a:t>
+            </a:r>
+            <a:r>
+              <a:rPr lang="de-AT" dirty="0" smtClean="0"/>
+              <a:t>ewährleistung der ständigen Futterversorgung</a:t>
+            </a:r>
+            <a:endParaRPr lang="de-AT" dirty="0"/>
+          </a:p>
+        </p:txBody>
+      </p:sp>
+      <p:sp>
+        <p:nvSpPr>
+          <p:cNvPr id="4" name="Fußzeilenplatzhalter 3"/>
+          <p:cNvSpPr>
+            <a:spLocks noGrp="1"/>
+          </p:cNvSpPr>
+          <p:nvPr>
+            <p:ph type="ftr" sz="quarter" idx="11"/>
+          </p:nvPr>
+        </p:nvSpPr>
+        <p:spPr/>
+        <p:txBody>
+          <a:bodyPr/>
+          <a:lstStyle/>
+          <a:p>
+            <a:r>
+              <a:rPr lang="de-AT" smtClean="0"/>
+              <a:t>Bernhard Fritz, Patrick Schwarz</a:t>
+            </a:r>
+            <a:endParaRPr lang="de-AT" dirty="0"/>
+          </a:p>
+        </p:txBody>
+      </p:sp>
+      <p:sp>
+        <p:nvSpPr>
+          <p:cNvPr id="5" name="Foliennummernplatzhalter 4"/>
+          <p:cNvSpPr>
+            <a:spLocks noGrp="1"/>
+          </p:cNvSpPr>
+          <p:nvPr>
+            <p:ph type="sldNum" sz="quarter" idx="12"/>
+          </p:nvPr>
+        </p:nvSpPr>
+        <p:spPr/>
+        <p:txBody>
+          <a:bodyPr/>
+          <a:lstStyle/>
+          <a:p>
+            <a:fld id="{6F3A5F7C-4A61-4A7C-8D3B-627959241671}" type="slidenum">
+              <a:rPr lang="de-AT" smtClean="0"/>
+              <a:t>13</a:t>
+            </a:fld>
+            <a:endParaRPr lang="de-AT"/>
+          </a:p>
+        </p:txBody>
+      </p:sp>
+      <p:sp>
+        <p:nvSpPr>
+          <p:cNvPr id="6" name="Textplatzhalter 5"/>
+          <p:cNvSpPr>
+            <a:spLocks noGrp="1"/>
+          </p:cNvSpPr>
+          <p:nvPr>
+            <p:ph type="body" sz="quarter" idx="13"/>
+          </p:nvPr>
+        </p:nvSpPr>
+        <p:spPr/>
+        <p:txBody>
+          <a:bodyPr/>
+          <a:lstStyle/>
+          <a:p>
+            <a:r>
+              <a:rPr lang="de-AT" dirty="0"/>
+              <a:t>Automatische Fischfütterungsanlage mit </a:t>
+            </a:r>
+            <a:r>
+              <a:rPr lang="de-AT" dirty="0" smtClean="0"/>
+              <a:t>Webinterface</a:t>
+            </a:r>
+            <a:endParaRPr lang="de-AT" dirty="0"/>
+          </a:p>
+        </p:txBody>
+      </p:sp>
+      <p:sp>
+        <p:nvSpPr>
+          <p:cNvPr id="7" name="Textplatzhalter 6"/>
+          <p:cNvSpPr>
+            <a:spLocks noGrp="1"/>
+          </p:cNvSpPr>
+          <p:nvPr>
+            <p:ph type="body" sz="quarter" idx="14"/>
+          </p:nvPr>
+        </p:nvSpPr>
+        <p:spPr/>
+        <p:txBody>
+          <a:bodyPr/>
+          <a:lstStyle/>
+          <a:p>
+            <a:r>
+              <a:rPr lang="de-AT" dirty="0"/>
+              <a:t>HW5A</a:t>
+            </a:r>
+          </a:p>
+        </p:txBody>
+      </p:sp>
+    </p:spTree>
+    <p:extLst>
+      <p:ext uri="{BB962C8B-B14F-4D97-AF65-F5344CB8AC3E}">
+        <p14:creationId xmlns:p14="http://schemas.microsoft.com/office/powerpoint/2010/main" val="3318586043"/>
+      </p:ext>
+    </p:extLst>
+  </p:cSld>
+  <p:clrMapOvr>
+    <a:masterClrMapping/>
+  </p:clrMapOvr>
+  <p:timing>
+    <p:tnLst>
+      <p:par>
+        <p:cTn id="1" dur="indefinite" restart="never" nodeType="tmRoot"/>
+      </p:par>
+    </p:tnLst>
+  </p:timing>
+</p:sld>
+</file>
+
+<file path=ppt/slides/slide14.xml><?xml version="1.0" encoding="utf-8"?>
+<p:sld xmlns:a="http://schemas.openxmlformats.org/drawingml/2006/main" xmlns:r="http://schemas.openxmlformats.org/officeDocument/2006/relationships" xmlns:p="http://schemas.openxmlformats.org/presentationml/2006/main">
+  <p:cSld>
+    <p:spTree>
+      <p:nvGrpSpPr>
+        <p:cNvPr id="1" name=""/>
+        <p:cNvGrpSpPr/>
+        <p:nvPr/>
+      </p:nvGrpSpPr>
+      <p:grpSpPr>
+        <a:xfrm>
+          <a:off x="0" y="0"/>
+          <a:ext cx="0" cy="0"/>
+          <a:chOff x="0" y="0"/>
+          <a:chExt cx="0" cy="0"/>
+        </a:xfrm>
+      </p:grpSpPr>
+      <p:sp>
+        <p:nvSpPr>
+          <p:cNvPr id="8" name="Titel 7"/>
+          <p:cNvSpPr>
+            <a:spLocks noGrp="1"/>
+          </p:cNvSpPr>
+          <p:nvPr>
+            <p:ph type="ctrTitle"/>
+          </p:nvPr>
+        </p:nvSpPr>
+        <p:spPr/>
+        <p:txBody>
+          <a:bodyPr anchor="ctr"/>
+          <a:lstStyle/>
+          <a:p>
+            <a:r>
+              <a:rPr lang="de-AT" sz="4800" dirty="0" smtClean="0"/>
+              <a:t>Vielen Dank für </a:t>
+            </a:r>
+            <a:r>
+              <a:rPr lang="de-AT" sz="4800" dirty="0" smtClean="0"/>
+              <a:t>Ihre </a:t>
+            </a:r>
+            <a:r>
+              <a:rPr lang="de-AT" sz="4800" dirty="0" smtClean="0"/>
+              <a:t>Aufmerksamkeit!</a:t>
+            </a:r>
+            <a:endParaRPr lang="de-AT" sz="4800" dirty="0"/>
+          </a:p>
+        </p:txBody>
+      </p:sp>
+      <p:sp>
+        <p:nvSpPr>
+          <p:cNvPr id="10" name="Untertitel 9"/>
+          <p:cNvSpPr>
+            <a:spLocks noGrp="1"/>
+          </p:cNvSpPr>
+          <p:nvPr>
+            <p:ph type="subTitle" idx="1"/>
+          </p:nvPr>
+        </p:nvSpPr>
+        <p:spPr/>
+        <p:txBody>
+          <a:bodyPr/>
+          <a:lstStyle/>
+          <a:p>
+            <a:endParaRPr lang="de-AT"/>
+          </a:p>
+        </p:txBody>
+      </p:sp>
+      <p:sp>
+        <p:nvSpPr>
+          <p:cNvPr id="5" name="Foliennummernplatzhalter 4"/>
+          <p:cNvSpPr>
+            <a:spLocks noGrp="1"/>
+          </p:cNvSpPr>
+          <p:nvPr>
+            <p:ph type="sldNum" sz="quarter" idx="11"/>
+          </p:nvPr>
+        </p:nvSpPr>
+        <p:spPr/>
+        <p:txBody>
+          <a:bodyPr/>
+          <a:lstStyle/>
+          <a:p>
+            <a:fld id="{6F3A5F7C-4A61-4A7C-8D3B-627959241671}" type="slidenum">
+              <a:rPr lang="de-AT" smtClean="0"/>
+              <a:t>14</a:t>
+            </a:fld>
+            <a:endParaRPr lang="de-AT"/>
+          </a:p>
+        </p:txBody>
+      </p:sp>
+      <p:sp>
+        <p:nvSpPr>
+          <p:cNvPr id="4" name="Fußzeilenplatzhalter 3"/>
+          <p:cNvSpPr>
+            <a:spLocks noGrp="1"/>
+          </p:cNvSpPr>
+          <p:nvPr>
+            <p:ph type="ftr" sz="quarter" idx="12"/>
+          </p:nvPr>
+        </p:nvSpPr>
+        <p:spPr/>
+        <p:txBody>
+          <a:bodyPr/>
+          <a:lstStyle/>
+          <a:p>
+            <a:r>
+              <a:rPr lang="de-AT" smtClean="0"/>
+              <a:t>Bernhard Fritz, Patrick Schwarz</a:t>
+            </a:r>
+            <a:endParaRPr lang="de-AT" dirty="0"/>
+          </a:p>
+        </p:txBody>
+      </p:sp>
+    </p:spTree>
+    <p:extLst>
+      <p:ext uri="{BB962C8B-B14F-4D97-AF65-F5344CB8AC3E}">
+        <p14:creationId xmlns:p14="http://schemas.microsoft.com/office/powerpoint/2010/main" val="2360439609"/>
+      </p:ext>
+    </p:extLst>
+  </p:cSld>
+  <p:clrMapOvr>
+    <a:masterClrMapping/>
+  </p:clrMapOvr>
+  <p:timing>
+    <p:tnLst>
+      <p:par>
+        <p:cTn id="1" dur="indefinite" restart="never" nodeType="tmRoot"/>
+      </p:par>
+    </p:tnLst>
+  </p:timing>
+</p:sld>
+</file>
+
+<file path=ppt/slides/slide2.xml><?xml version="1.0" encoding="utf-8"?>
+<p:sld xmlns:a="http://schemas.openxmlformats.org/drawingml/2006/main" xmlns:r="http://schemas.openxmlformats.org/officeDocument/2006/relationships" xmlns:p="http://schemas.openxmlformats.org/presentationml/2006/main">
+  <p:cSld>
+    <p:spTree>
+      <p:nvGrpSpPr>
+        <p:cNvPr id="1" name=""/>
+        <p:cNvGrpSpPr/>
+        <p:nvPr/>
+      </p:nvGrpSpPr>
+      <p:grpSpPr>
+        <a:xfrm>
+          <a:off x="0" y="0"/>
+          <a:ext cx="0" cy="0"/>
+          <a:chOff x="0" y="0"/>
+          <a:chExt cx="0" cy="0"/>
+        </a:xfrm>
+      </p:grpSpPr>
+      <p:sp>
+        <p:nvSpPr>
+          <p:cNvPr id="19" name="Titel 18"/>
+          <p:cNvSpPr>
+            <a:spLocks noGrp="1"/>
+          </p:cNvSpPr>
+          <p:nvPr>
+            <p:ph type="title"/>
+          </p:nvPr>
+        </p:nvSpPr>
+        <p:spPr/>
+        <p:txBody>
+          <a:bodyPr/>
+          <a:lstStyle/>
+          <a:p>
+            <a:r>
+              <a:rPr lang="de-AT" dirty="0" smtClean="0"/>
+              <a:t>Überblick</a:t>
+            </a:r>
+            <a:endParaRPr lang="de-AT" dirty="0"/>
+          </a:p>
+        </p:txBody>
+      </p:sp>
+      <p:sp>
+        <p:nvSpPr>
+          <p:cNvPr id="20" name="Inhaltsplatzhalter 19"/>
+          <p:cNvSpPr>
+            <a:spLocks noGrp="1"/>
+          </p:cNvSpPr>
+          <p:nvPr>
+            <p:ph idx="1"/>
+          </p:nvPr>
+        </p:nvSpPr>
+        <p:spPr/>
+        <p:txBody>
+          <a:bodyPr/>
+          <a:lstStyle/>
+          <a:p>
+            <a:r>
+              <a:rPr lang="de-AT" dirty="0" smtClean="0"/>
+              <a:t>Ausgangssituation</a:t>
+            </a:r>
+          </a:p>
+          <a:p>
+            <a:r>
+              <a:rPr lang="de-AT" dirty="0" smtClean="0"/>
+              <a:t>Idee</a:t>
+            </a:r>
+          </a:p>
+          <a:p>
+            <a:r>
+              <a:rPr lang="de-AT" dirty="0" smtClean="0"/>
+              <a:t>Erreichte Ziele</a:t>
+            </a:r>
+          </a:p>
+          <a:p>
+            <a:r>
+              <a:rPr lang="de-AT" dirty="0" smtClean="0"/>
+              <a:t>Innovation</a:t>
+            </a:r>
+          </a:p>
+          <a:p>
+            <a:r>
+              <a:rPr lang="de-AT" dirty="0" smtClean="0"/>
+              <a:t>Ausblick</a:t>
+            </a:r>
+          </a:p>
+          <a:p>
+            <a:endParaRPr lang="de-AT" dirty="0"/>
+          </a:p>
+        </p:txBody>
+      </p:sp>
+      <p:sp>
+        <p:nvSpPr>
+          <p:cNvPr id="4" name="Fußzeilenplatzhalter 3"/>
+          <p:cNvSpPr>
+            <a:spLocks noGrp="1"/>
+          </p:cNvSpPr>
+          <p:nvPr>
+            <p:ph type="ftr" sz="quarter" idx="11"/>
+          </p:nvPr>
+        </p:nvSpPr>
+        <p:spPr/>
+        <p:txBody>
+          <a:bodyPr/>
+          <a:lstStyle/>
+          <a:p>
+            <a:r>
+              <a:rPr lang="de-AT" smtClean="0"/>
+              <a:t>Bernhard Fritz, Patrick Schwarz</a:t>
+            </a:r>
+            <a:endParaRPr lang="de-AT"/>
+          </a:p>
+        </p:txBody>
+      </p:sp>
+      <p:sp>
+        <p:nvSpPr>
+          <p:cNvPr id="5" name="Foliennummernplatzhalter 4"/>
+          <p:cNvSpPr>
+            <a:spLocks noGrp="1"/>
+          </p:cNvSpPr>
+          <p:nvPr>
+            <p:ph type="sldNum" sz="quarter" idx="12"/>
+          </p:nvPr>
+        </p:nvSpPr>
+        <p:spPr/>
+        <p:txBody>
+          <a:bodyPr/>
+          <a:lstStyle/>
+          <a:p>
+            <a:fld id="{6F3A5F7C-4A61-4A7C-8D3B-627959241671}" type="slidenum">
+              <a:rPr lang="de-AT" smtClean="0"/>
+              <a:pPr/>
+              <a:t>2</a:t>
+            </a:fld>
+            <a:endParaRPr lang="de-AT"/>
+          </a:p>
+        </p:txBody>
+      </p:sp>
+      <p:sp>
+        <p:nvSpPr>
+          <p:cNvPr id="10" name="Textplatzhalter 9"/>
+          <p:cNvSpPr>
+            <a:spLocks noGrp="1"/>
+          </p:cNvSpPr>
+          <p:nvPr>
+            <p:ph type="body" sz="quarter" idx="13"/>
+          </p:nvPr>
+        </p:nvSpPr>
+        <p:spPr/>
+        <p:txBody>
+          <a:bodyPr>
+            <a:normAutofit/>
+          </a:bodyPr>
+          <a:lstStyle/>
+          <a:p>
+            <a:r>
+              <a:rPr lang="de-AT" dirty="0" smtClean="0"/>
+              <a:t>Automatische Fischfütterungsanlage mit Webinterface</a:t>
+            </a:r>
+            <a:endParaRPr lang="de-AT" dirty="0"/>
+          </a:p>
+        </p:txBody>
+      </p:sp>
+      <p:sp>
+        <p:nvSpPr>
+          <p:cNvPr id="21" name="Textplatzhalter 20"/>
+          <p:cNvSpPr>
+            <a:spLocks noGrp="1"/>
+          </p:cNvSpPr>
+          <p:nvPr>
+            <p:ph type="body" sz="quarter" idx="14"/>
+          </p:nvPr>
+        </p:nvSpPr>
+        <p:spPr/>
+        <p:txBody>
+          <a:bodyPr/>
+          <a:lstStyle/>
+          <a:p>
+            <a:r>
+              <a:rPr lang="de-AT" dirty="0" smtClean="0"/>
+              <a:t>HW5A</a:t>
+            </a:r>
+            <a:endParaRPr lang="de-AT" dirty="0"/>
+          </a:p>
+        </p:txBody>
+      </p:sp>
+    </p:spTree>
+    <p:extLst>
+      <p:ext uri="{BB962C8B-B14F-4D97-AF65-F5344CB8AC3E}">
+        <p14:creationId xmlns:p14="http://schemas.microsoft.com/office/powerpoint/2010/main" val="3176047418"/>
+      </p:ext>
+    </p:extLst>
+  </p:cSld>
+  <p:clrMapOvr>
+    <a:masterClrMapping/>
+  </p:clrMapOvr>
+  <p:timing>
+    <p:tnLst>
+      <p:par>
+        <p:cTn id="1" dur="indefinite" restart="never" nodeType="tmRoot"/>
+      </p:par>
+    </p:tnLst>
+  </p:timing>
+</p:sld>
+</file>
+
+<file path=ppt/slides/slide3.xml><?xml version="1.0" encoding="utf-8"?>
+<p:sld xmlns:a="http://schemas.openxmlformats.org/drawingml/2006/main" xmlns:r="http://schemas.openxmlformats.org/officeDocument/2006/relationships" xmlns:p="http://schemas.openxmlformats.org/presentationml/2006/main">
+  <p:cSld>
+    <p:spTree>
+      <p:nvGrpSpPr>
+        <p:cNvPr id="1" name=""/>
+        <p:cNvGrpSpPr/>
+        <p:nvPr/>
+      </p:nvGrpSpPr>
+      <p:grpSpPr>
+        <a:xfrm>
+          <a:off x="0" y="0"/>
+          <a:ext cx="0" cy="0"/>
+          <a:chOff x="0" y="0"/>
+          <a:chExt cx="0" cy="0"/>
+        </a:xfrm>
+      </p:grpSpPr>
+      <p:sp>
+        <p:nvSpPr>
+          <p:cNvPr id="2" name="Titel 1"/>
+          <p:cNvSpPr>
+            <a:spLocks noGrp="1"/>
+          </p:cNvSpPr>
+          <p:nvPr>
+            <p:ph type="title"/>
+          </p:nvPr>
+        </p:nvSpPr>
+        <p:spPr/>
+        <p:txBody>
+          <a:bodyPr/>
+          <a:lstStyle/>
+          <a:p>
+            <a:r>
+              <a:rPr lang="de-AT" dirty="0" smtClean="0"/>
+              <a:t>Ausgangssituation</a:t>
+            </a:r>
+            <a:endParaRPr lang="de-AT" dirty="0"/>
+          </a:p>
+        </p:txBody>
+      </p:sp>
+      <p:sp>
+        <p:nvSpPr>
+          <p:cNvPr id="3" name="Inhaltsplatzhalter 2"/>
+          <p:cNvSpPr>
+            <a:spLocks noGrp="1"/>
+          </p:cNvSpPr>
+          <p:nvPr>
+            <p:ph idx="1"/>
+          </p:nvPr>
+        </p:nvSpPr>
+        <p:spPr/>
+        <p:txBody>
+          <a:bodyPr>
+            <a:normAutofit/>
+          </a:bodyPr>
+          <a:lstStyle/>
+          <a:p>
+            <a:r>
+              <a:rPr lang="de-AT" sz="2000" dirty="0" smtClean="0"/>
+              <a:t>Heimische Fischzuchtanlagen sind kleinstrukturierte Betriebe</a:t>
+            </a:r>
+            <a:br>
+              <a:rPr lang="de-AT" sz="2000" dirty="0" smtClean="0"/>
+            </a:br>
+            <a:endParaRPr lang="de-AT" sz="2000" dirty="0" smtClean="0"/>
+          </a:p>
+          <a:p>
+            <a:r>
+              <a:rPr lang="de-AT" sz="2000" dirty="0" smtClean="0"/>
+              <a:t>Professionelle </a:t>
+            </a:r>
+            <a:r>
+              <a:rPr lang="de-AT" sz="2000" smtClean="0"/>
+              <a:t>Fischaufzucht ist sehr </a:t>
+            </a:r>
+            <a:r>
+              <a:rPr lang="de-AT" sz="2000" dirty="0" smtClean="0"/>
+              <a:t>teuer</a:t>
+            </a:r>
+            <a:br>
+              <a:rPr lang="de-AT" sz="2000" dirty="0" smtClean="0"/>
+            </a:br>
+            <a:endParaRPr lang="de-AT" sz="2000" dirty="0" smtClean="0"/>
+          </a:p>
+          <a:p>
+            <a:r>
+              <a:rPr lang="de-AT" sz="2000" dirty="0" smtClean="0"/>
+              <a:t>Fütterung von Hand ist mit großem Kostenaufwand verbunden</a:t>
+            </a:r>
+            <a:br>
+              <a:rPr lang="de-AT" sz="2000" dirty="0" smtClean="0"/>
+            </a:br>
+            <a:endParaRPr lang="de-AT" sz="2000" dirty="0" smtClean="0"/>
+          </a:p>
+          <a:p>
+            <a:r>
+              <a:rPr lang="de-AT" sz="2000" dirty="0" smtClean="0"/>
+              <a:t>Finanzielle Mittel meist nicht ausreichend</a:t>
+            </a:r>
+            <a:br>
+              <a:rPr lang="de-AT" sz="2000" dirty="0" smtClean="0"/>
+            </a:br>
+            <a:endParaRPr lang="de-AT" sz="2000" dirty="0"/>
+          </a:p>
+          <a:p>
+            <a:r>
+              <a:rPr lang="de-AT" sz="2000" dirty="0" smtClean="0"/>
+              <a:t>Für wissenschaftliche und private Fischaufzucht gibt es kaum kostengünstige Lösungen</a:t>
+            </a:r>
+          </a:p>
+          <a:p>
+            <a:endParaRPr lang="de-AT" sz="2000" dirty="0" smtClean="0"/>
+          </a:p>
+        </p:txBody>
+      </p:sp>
+      <p:sp>
+        <p:nvSpPr>
+          <p:cNvPr id="4" name="Fußzeilenplatzhalter 3"/>
+          <p:cNvSpPr>
+            <a:spLocks noGrp="1"/>
+          </p:cNvSpPr>
+          <p:nvPr>
+            <p:ph type="ftr" sz="quarter" idx="11"/>
+          </p:nvPr>
+        </p:nvSpPr>
+        <p:spPr/>
+        <p:txBody>
+          <a:bodyPr/>
+          <a:lstStyle/>
+          <a:p>
+            <a:r>
+              <a:rPr lang="de-AT" smtClean="0"/>
+              <a:t>Bernhard Fritz, Patrick Schwarz</a:t>
+            </a:r>
+            <a:endParaRPr lang="de-AT" dirty="0"/>
+          </a:p>
+        </p:txBody>
+      </p:sp>
+      <p:sp>
+        <p:nvSpPr>
+          <p:cNvPr id="5" name="Foliennummernplatzhalter 4"/>
+          <p:cNvSpPr>
+            <a:spLocks noGrp="1"/>
+          </p:cNvSpPr>
+          <p:nvPr>
+            <p:ph type="sldNum" sz="quarter" idx="12"/>
+          </p:nvPr>
+        </p:nvSpPr>
+        <p:spPr/>
+        <p:txBody>
+          <a:bodyPr/>
+          <a:lstStyle/>
+          <a:p>
+            <a:fld id="{6F3A5F7C-4A61-4A7C-8D3B-627959241671}" type="slidenum">
+              <a:rPr lang="de-AT" smtClean="0"/>
+              <a:t>3</a:t>
+            </a:fld>
+            <a:endParaRPr lang="de-AT"/>
+          </a:p>
+        </p:txBody>
+      </p:sp>
+      <p:sp>
+        <p:nvSpPr>
+          <p:cNvPr id="6" name="Textplatzhalter 5"/>
+          <p:cNvSpPr>
+            <a:spLocks noGrp="1"/>
+          </p:cNvSpPr>
+          <p:nvPr>
+            <p:ph type="body" sz="quarter" idx="13"/>
+          </p:nvPr>
+        </p:nvSpPr>
+        <p:spPr/>
+        <p:txBody>
+          <a:bodyPr/>
+          <a:lstStyle/>
+          <a:p>
+            <a:r>
+              <a:rPr lang="de-AT" dirty="0"/>
+              <a:t>Automatische Fischfütterungsanlage mit Webinterface</a:t>
+            </a:r>
+          </a:p>
+        </p:txBody>
+      </p:sp>
+      <p:sp>
+        <p:nvSpPr>
+          <p:cNvPr id="7" name="Textplatzhalter 6"/>
+          <p:cNvSpPr>
+            <a:spLocks noGrp="1"/>
+          </p:cNvSpPr>
+          <p:nvPr>
+            <p:ph type="body" sz="quarter" idx="14"/>
+          </p:nvPr>
+        </p:nvSpPr>
+        <p:spPr/>
+        <p:txBody>
+          <a:bodyPr/>
+          <a:lstStyle/>
+          <a:p>
+            <a:r>
+              <a:rPr lang="de-AT" dirty="0" smtClean="0"/>
+              <a:t>HW5A</a:t>
+            </a:r>
+            <a:endParaRPr lang="de-AT" dirty="0"/>
+          </a:p>
+        </p:txBody>
+      </p:sp>
+    </p:spTree>
+    <p:extLst>
+      <p:ext uri="{BB962C8B-B14F-4D97-AF65-F5344CB8AC3E}">
+        <p14:creationId xmlns:p14="http://schemas.microsoft.com/office/powerpoint/2010/main" val="4212220930"/>
+      </p:ext>
+    </p:extLst>
+  </p:cSld>
+  <p:clrMapOvr>
+    <a:masterClrMapping/>
+  </p:clrMapOvr>
+  <p:timing>
+    <p:tnLst>
+      <p:par>
+        <p:cTn id="1" dur="indefinite" restart="never" nodeType="tmRoot"/>
+      </p:par>
+    </p:tnLst>
+  </p:timing>
+</p:sld>
+</file>
+
+<file path=ppt/slides/slide4.xml><?xml version="1.0" encoding="utf-8"?>
+<p:sld xmlns:a="http://schemas.openxmlformats.org/drawingml/2006/main" xmlns:r="http://schemas.openxmlformats.org/officeDocument/2006/relationships" xmlns:p="http://schemas.openxmlformats.org/presentationml/2006/main">
+  <p:cSld>
+    <p:spTree>
+      <p:nvGrpSpPr>
+        <p:cNvPr id="1" name=""/>
+        <p:cNvGrpSpPr/>
+        <p:nvPr/>
+      </p:nvGrpSpPr>
+      <p:grpSpPr>
+        <a:xfrm>
+          <a:off x="0" y="0"/>
+          <a:ext cx="0" cy="0"/>
+          <a:chOff x="0" y="0"/>
+          <a:chExt cx="0" cy="0"/>
+        </a:xfrm>
+      </p:grpSpPr>
+      <p:sp>
+        <p:nvSpPr>
+          <p:cNvPr id="2" name="Titel 1"/>
+          <p:cNvSpPr>
+            <a:spLocks noGrp="1"/>
+          </p:cNvSpPr>
+          <p:nvPr>
+            <p:ph type="title"/>
+          </p:nvPr>
+        </p:nvSpPr>
+        <p:spPr/>
+        <p:txBody>
+          <a:bodyPr/>
+          <a:lstStyle/>
+          <a:p>
+            <a:r>
+              <a:rPr lang="de-AT" dirty="0" smtClean="0"/>
+              <a:t>Idee</a:t>
+            </a:r>
+            <a:endParaRPr lang="de-AT" dirty="0"/>
+          </a:p>
+        </p:txBody>
+      </p:sp>
+      <p:sp>
+        <p:nvSpPr>
+          <p:cNvPr id="3" name="Inhaltsplatzhalter 2"/>
+          <p:cNvSpPr>
+            <a:spLocks noGrp="1"/>
+          </p:cNvSpPr>
+          <p:nvPr>
+            <p:ph idx="1"/>
+          </p:nvPr>
+        </p:nvSpPr>
+        <p:spPr>
+          <a:xfrm>
+            <a:off x="457200" y="2420888"/>
+            <a:ext cx="4114800" cy="3705275"/>
+          </a:xfrm>
+        </p:spPr>
+        <p:txBody>
+          <a:bodyPr anchor="t"/>
+          <a:lstStyle/>
+          <a:p>
+            <a:pPr marL="0" indent="0">
+              <a:buNone/>
+            </a:pPr>
+            <a:r>
+              <a:rPr lang="de-AT" dirty="0" smtClean="0"/>
+              <a:t>Entwicklung einer</a:t>
+            </a:r>
+            <a:br>
+              <a:rPr lang="de-AT" dirty="0" smtClean="0"/>
+            </a:br>
+            <a:endParaRPr lang="de-AT" dirty="0" smtClean="0"/>
+          </a:p>
+          <a:p>
+            <a:r>
+              <a:rPr lang="de-AT" sz="2000" dirty="0" smtClean="0"/>
+              <a:t>automatischen</a:t>
+            </a:r>
+          </a:p>
+          <a:p>
+            <a:r>
+              <a:rPr lang="de-AT" sz="2000" dirty="0" smtClean="0"/>
+              <a:t>voll programmierbaren</a:t>
+            </a:r>
+          </a:p>
+          <a:p>
+            <a:r>
+              <a:rPr lang="de-AT" sz="2000" dirty="0" smtClean="0"/>
+              <a:t>bedienungsfreundlichen</a:t>
+            </a:r>
+          </a:p>
+          <a:p>
+            <a:r>
+              <a:rPr lang="de-AT" sz="2000" dirty="0" smtClean="0"/>
+              <a:t>kostengünstigen</a:t>
+            </a:r>
+          </a:p>
+          <a:p>
+            <a:r>
+              <a:rPr lang="de-AT" sz="2000" dirty="0" smtClean="0"/>
+              <a:t>universell einsetzbaren</a:t>
+            </a:r>
+            <a:br>
+              <a:rPr lang="de-AT" sz="2000" dirty="0" smtClean="0"/>
+            </a:br>
+            <a:endParaRPr lang="de-AT" sz="2000" dirty="0" smtClean="0"/>
+          </a:p>
+          <a:p>
+            <a:pPr marL="0" indent="0">
+              <a:buNone/>
+            </a:pPr>
+            <a:r>
+              <a:rPr lang="de-AT" dirty="0" smtClean="0"/>
+              <a:t>Fischfütterungsanlage</a:t>
+            </a:r>
+          </a:p>
+          <a:p>
+            <a:endParaRPr lang="de-AT" dirty="0" smtClean="0"/>
+          </a:p>
+        </p:txBody>
+      </p:sp>
+      <p:sp>
+        <p:nvSpPr>
+          <p:cNvPr id="4" name="Fußzeilenplatzhalter 3"/>
+          <p:cNvSpPr>
+            <a:spLocks noGrp="1"/>
+          </p:cNvSpPr>
+          <p:nvPr>
+            <p:ph type="ftr" sz="quarter" idx="11"/>
+          </p:nvPr>
+        </p:nvSpPr>
+        <p:spPr/>
+        <p:txBody>
+          <a:bodyPr/>
+          <a:lstStyle/>
+          <a:p>
+            <a:r>
+              <a:rPr lang="de-AT" dirty="0" smtClean="0"/>
+              <a:t>Bernhard Fritz, Patrick Schwarz</a:t>
+            </a:r>
+            <a:endParaRPr lang="de-AT" dirty="0"/>
+          </a:p>
+        </p:txBody>
+      </p:sp>
+      <p:sp>
+        <p:nvSpPr>
+          <p:cNvPr id="5" name="Foliennummernplatzhalter 4"/>
+          <p:cNvSpPr>
+            <a:spLocks noGrp="1"/>
+          </p:cNvSpPr>
+          <p:nvPr>
+            <p:ph type="sldNum" sz="quarter" idx="12"/>
+          </p:nvPr>
+        </p:nvSpPr>
+        <p:spPr/>
+        <p:txBody>
+          <a:bodyPr/>
+          <a:lstStyle/>
+          <a:p>
+            <a:fld id="{6F3A5F7C-4A61-4A7C-8D3B-627959241671}" type="slidenum">
+              <a:rPr lang="de-AT" smtClean="0"/>
+              <a:t>4</a:t>
+            </a:fld>
+            <a:endParaRPr lang="de-AT"/>
+          </a:p>
+        </p:txBody>
+      </p:sp>
+      <p:sp>
+        <p:nvSpPr>
+          <p:cNvPr id="6" name="Textplatzhalter 5"/>
+          <p:cNvSpPr>
+            <a:spLocks noGrp="1"/>
+          </p:cNvSpPr>
+          <p:nvPr>
+            <p:ph type="body" sz="quarter" idx="13"/>
+          </p:nvPr>
+        </p:nvSpPr>
+        <p:spPr/>
+        <p:txBody>
+          <a:bodyPr/>
+          <a:lstStyle/>
+          <a:p>
+            <a:r>
+              <a:rPr lang="de-AT" dirty="0"/>
+              <a:t>Automatische Fischfütterungsanlage mit </a:t>
+            </a:r>
+            <a:r>
+              <a:rPr lang="de-AT" dirty="0" smtClean="0"/>
+              <a:t>Webinterface</a:t>
+            </a:r>
+            <a:endParaRPr lang="de-AT" dirty="0"/>
+          </a:p>
+        </p:txBody>
+      </p:sp>
+      <p:sp>
+        <p:nvSpPr>
+          <p:cNvPr id="7" name="Textplatzhalter 6"/>
+          <p:cNvSpPr>
+            <a:spLocks noGrp="1"/>
+          </p:cNvSpPr>
+          <p:nvPr>
+            <p:ph type="body" sz="quarter" idx="14"/>
+          </p:nvPr>
+        </p:nvSpPr>
+        <p:spPr/>
+        <p:txBody>
+          <a:bodyPr/>
+          <a:lstStyle/>
+          <a:p>
+            <a:r>
+              <a:rPr lang="de-AT" dirty="0"/>
+              <a:t>HW5A</a:t>
+            </a:r>
+          </a:p>
+        </p:txBody>
+      </p:sp>
+      <p:pic>
+        <p:nvPicPr>
+          <p:cNvPr id="2050" name="Picture 2"/>
+          <p:cNvPicPr>
+            <a:picLocks noChangeAspect="1" noChangeArrowheads="1"/>
+          </p:cNvPicPr>
+          <p:nvPr/>
+        </p:nvPicPr>
+        <p:blipFill>
+          <a:blip r:embed="rId3" cstate="print">
+            <a:extLst>
+              <a:ext uri="{28A0092B-C50C-407E-A947-70E740481C1C}">
+                <a14:useLocalDpi xmlns:a14="http://schemas.microsoft.com/office/drawing/2010/main" val="0"/>
+              </a:ext>
+            </a:extLst>
+          </a:blip>
+          <a:stretch>
+            <a:fillRect/>
+          </a:stretch>
+        </p:blipFill>
+        <p:spPr bwMode="auto">
+          <a:xfrm>
+            <a:off x="4211961" y="2564904"/>
+            <a:ext cx="4320479" cy="3183092"/>
+          </a:xfrm>
+          <a:prstGeom prst="rect">
+            <a:avLst/>
+          </a:prstGeom>
+          <a:noFill/>
+          <a:extLst>
+            <a:ext uri="{909E8E84-426E-40DD-AFC4-6F175D3DCCD1}">
+              <a14:hiddenFill xmlns:a14="http://schemas.microsoft.com/office/drawing/2010/main">
+                <a:solidFill>
+                  <a:srgbClr val="FFFFFF"/>
+                </a:solidFill>
+              </a14:hiddenFill>
+            </a:ext>
+          </a:extLst>
+        </p:spPr>
+      </p:pic>
+      <p:pic>
+        <p:nvPicPr>
+          <p:cNvPr id="1027" name="Picture 3" descr="C:\Users\Berny\Diplomarbeit\Diplomarbeitspräsentation\Bilder\DSC_0490.JPG"/>
+          <p:cNvPicPr>
+            <a:picLocks noChangeAspect="1" noChangeArrowheads="1"/>
+          </p:cNvPicPr>
+          <p:nvPr/>
+        </p:nvPicPr>
+        <p:blipFill>
+          <a:blip r:embed="rId4" cstate="print">
+            <a:extLst>
+              <a:ext uri="{28A0092B-C50C-407E-A947-70E740481C1C}">
+                <a14:useLocalDpi xmlns:a14="http://schemas.microsoft.com/office/drawing/2010/main" val="0"/>
+              </a:ext>
+            </a:extLst>
+          </a:blip>
+          <a:srcRect/>
+          <a:stretch>
+            <a:fillRect/>
+          </a:stretch>
+        </p:blipFill>
+        <p:spPr bwMode="auto">
+          <a:xfrm>
+            <a:off x="1" y="871766"/>
+            <a:ext cx="9154706" cy="5149522"/>
+          </a:xfrm>
+          <a:prstGeom prst="rect">
+            <a:avLst/>
+          </a:prstGeom>
+          <a:noFill/>
+          <a:extLst>
+            <a:ext uri="{909E8E84-426E-40DD-AFC4-6F175D3DCCD1}">
+              <a14:hiddenFill xmlns:a14="http://schemas.microsoft.com/office/drawing/2010/main">
+                <a:solidFill>
+                  <a:srgbClr val="FFFFFF"/>
+                </a:solidFill>
+              </a14:hiddenFill>
+            </a:ext>
+          </a:extLst>
+        </p:spPr>
+      </p:pic>
+    </p:spTree>
+    <p:extLst>
+      <p:ext uri="{BB962C8B-B14F-4D97-AF65-F5344CB8AC3E}">
+        <p14:creationId xmlns:p14="http://schemas.microsoft.com/office/powerpoint/2010/main" val="1739739369"/>
+      </p:ext>
+    </p:extLst>
+  </p:cSld>
+  <p:clrMapOvr>
+    <a:masterClrMapping/>
+  </p:clrMapOvr>
+  <p:timing>
+    <p:tnLst>
+      <p:par>
+        <p:cTn id="1" dur="indefinite" restart="never" nodeType="tmRoot">
+          <p:childTnLst>
+            <p:seq concurrent="1" nextAc="seek">
+              <p:cTn id="2" dur="indefinite" nodeType="mainSeq">
+                <p:childTnLst>
+                  <p:par>
+                    <p:cTn id="3" fill="hold">
+                      <p:stCondLst>
+                        <p:cond delay="indefinite"/>
+                      </p:stCondLst>
+                      <p:childTnLst>
+                        <p:par>
+                          <p:cTn id="4" fill="hold">
+                            <p:stCondLst>
+                              <p:cond delay="0"/>
+                            </p:stCondLst>
+                            <p:childTnLst>
+                              <p:par>
+                                <p:cTn id="5" presetID="10" presetClass="entr" presetSubtype="0" fill="hold" nodeType="clickEffect">
+                                  <p:stCondLst>
+                                    <p:cond delay="0"/>
+                                  </p:stCondLst>
+                                  <p:childTnLst>
+                                    <p:set>
+                                      <p:cBhvr>
+                                        <p:cTn id="6" dur="1" fill="hold">
+                                          <p:stCondLst>
+                                            <p:cond delay="0"/>
+                                          </p:stCondLst>
+                                        </p:cTn>
+                                        <p:tgtEl>
+                                          <p:spTgt spid="1027"/>
+                                        </p:tgtEl>
+                                        <p:attrNameLst>
+                                          <p:attrName>style.visibility</p:attrName>
+                                        </p:attrNameLst>
+                                      </p:cBhvr>
+                                      <p:to>
+                                        <p:strVal val="visible"/>
+                                      </p:to>
+                                    </p:set>
+                                    <p:animEffect transition="in" filter="fade">
+                                      <p:cBhvr>
+                                        <p:cTn id="7" dur="500"/>
+                                        <p:tgtEl>
+                                          <p:spTgt spid="1027"/>
+                                        </p:tgtEl>
+                                      </p:cBhvr>
+                                    </p:animEffect>
+                                  </p:childTnLst>
+                                </p:cTn>
+                              </p:par>
+                            </p:childTnLst>
+                          </p:cTn>
+                        </p:par>
+                      </p:childTnLst>
+                    </p:cTn>
+                  </p:par>
+                </p:childTnLst>
+              </p:cTn>
+              <p:prevCondLst>
+                <p:cond evt="onPrev" delay="0">
+                  <p:tgtEl>
+                    <p:sldTgt/>
+                  </p:tgtEl>
+                </p:cond>
+              </p:prevCondLst>
+              <p:nextCondLst>
+                <p:cond evt="onNext" delay="0">
+                  <p:tgtEl>
+                    <p:sldTgt/>
+                  </p:tgtEl>
+                </p:cond>
+              </p:nextCondLst>
+            </p:seq>
+          </p:childTnLst>
+        </p:cTn>
+      </p:par>
+    </p:tnLst>
+  </p:timing>
+</p:sld>
+</file>
+
+<file path=ppt/slides/slide5.xml><?xml version="1.0" encoding="utf-8"?>
+<p:sld xmlns:a="http://schemas.openxmlformats.org/drawingml/2006/main" xmlns:r="http://schemas.openxmlformats.org/officeDocument/2006/relationships" xmlns:p="http://schemas.openxmlformats.org/presentationml/2006/main">
+  <p:cSld>
+    <p:spTree>
+      <p:nvGrpSpPr>
+        <p:cNvPr id="1" name=""/>
+        <p:cNvGrpSpPr/>
+        <p:nvPr/>
+      </p:nvGrpSpPr>
+      <p:grpSpPr>
+        <a:xfrm>
+          <a:off x="0" y="0"/>
+          <a:ext cx="0" cy="0"/>
+          <a:chOff x="0" y="0"/>
+          <a:chExt cx="0" cy="0"/>
+        </a:xfrm>
+      </p:grpSpPr>
+      <p:sp>
+        <p:nvSpPr>
+          <p:cNvPr id="2" name="Titel 1"/>
+          <p:cNvSpPr>
+            <a:spLocks noGrp="1"/>
+          </p:cNvSpPr>
+          <p:nvPr>
+            <p:ph type="title"/>
+          </p:nvPr>
+        </p:nvSpPr>
+        <p:spPr/>
+        <p:txBody>
+          <a:bodyPr/>
+          <a:lstStyle/>
+          <a:p>
+            <a:r>
+              <a:rPr lang="de-AT" smtClean="0"/>
+              <a:t>Erreichte Ziele</a:t>
+            </a:r>
+            <a:endParaRPr lang="de-AT" dirty="0"/>
+          </a:p>
+        </p:txBody>
+      </p:sp>
+      <p:sp>
+        <p:nvSpPr>
+          <p:cNvPr id="3" name="Inhaltsplatzhalter 2"/>
+          <p:cNvSpPr>
+            <a:spLocks noGrp="1"/>
+          </p:cNvSpPr>
+          <p:nvPr>
+            <p:ph idx="1"/>
+          </p:nvPr>
+        </p:nvSpPr>
+        <p:spPr/>
+        <p:txBody>
+          <a:bodyPr>
+            <a:normAutofit fontScale="92500" lnSpcReduction="20000"/>
+          </a:bodyPr>
+          <a:lstStyle/>
+          <a:p>
+            <a:r>
+              <a:rPr lang="de-AT" dirty="0" smtClean="0"/>
+              <a:t>Futter kann in beliebigen Mengen abgegeben werden</a:t>
+            </a:r>
+            <a:br>
+              <a:rPr lang="de-AT" dirty="0" smtClean="0"/>
+            </a:br>
+            <a:endParaRPr lang="de-AT" dirty="0" smtClean="0"/>
+          </a:p>
+          <a:p>
+            <a:r>
+              <a:rPr lang="de-AT" dirty="0" smtClean="0"/>
+              <a:t>Futterzeiten sind frei konfigurierbar</a:t>
+            </a:r>
+            <a:br>
+              <a:rPr lang="de-AT" dirty="0" smtClean="0"/>
+            </a:br>
+            <a:endParaRPr lang="de-AT" dirty="0" smtClean="0"/>
+          </a:p>
+          <a:p>
+            <a:r>
+              <a:rPr lang="de-AT" dirty="0" smtClean="0"/>
+              <a:t>Kontrolle und Steuerung durch Webinterface</a:t>
+            </a:r>
+            <a:br>
+              <a:rPr lang="de-AT" dirty="0" smtClean="0"/>
+            </a:br>
+            <a:endParaRPr lang="de-AT" dirty="0" smtClean="0"/>
+          </a:p>
+          <a:p>
+            <a:r>
+              <a:rPr lang="de-AT" dirty="0" smtClean="0"/>
+              <a:t>Überschaubarer Kostenaufwand</a:t>
+            </a:r>
+            <a:br>
+              <a:rPr lang="de-AT" dirty="0" smtClean="0"/>
+            </a:br>
+            <a:endParaRPr lang="de-AT" dirty="0" smtClean="0"/>
+          </a:p>
+          <a:p>
+            <a:r>
+              <a:rPr lang="de-AT" dirty="0" smtClean="0"/>
+              <a:t>Messen und Archivieren von Daten (Statistik)</a:t>
+            </a:r>
+            <a:br>
+              <a:rPr lang="de-AT" dirty="0" smtClean="0"/>
+            </a:br>
+            <a:endParaRPr lang="de-AT" dirty="0" smtClean="0"/>
+          </a:p>
+          <a:p>
+            <a:r>
+              <a:rPr lang="de-AT" dirty="0" smtClean="0"/>
+              <a:t>Verständigung des Betreibers bei Störungen im Betriebsablauf</a:t>
+            </a:r>
+          </a:p>
+          <a:p>
+            <a:endParaRPr lang="de-AT" dirty="0" smtClean="0"/>
+          </a:p>
+          <a:p>
+            <a:endParaRPr lang="de-AT" dirty="0" smtClean="0"/>
+          </a:p>
+          <a:p>
+            <a:endParaRPr lang="de-AT" dirty="0"/>
+          </a:p>
+        </p:txBody>
+      </p:sp>
+      <p:sp>
+        <p:nvSpPr>
+          <p:cNvPr id="4" name="Fußzeilenplatzhalter 3"/>
+          <p:cNvSpPr>
+            <a:spLocks noGrp="1"/>
+          </p:cNvSpPr>
+          <p:nvPr>
+            <p:ph type="ftr" sz="quarter" idx="11"/>
+          </p:nvPr>
+        </p:nvSpPr>
+        <p:spPr/>
+        <p:txBody>
+          <a:bodyPr/>
+          <a:lstStyle/>
+          <a:p>
+            <a:r>
+              <a:rPr lang="de-AT" smtClean="0"/>
+              <a:t>Bernhard Fritz, Patrick Schwarz</a:t>
+            </a:r>
+            <a:endParaRPr lang="de-AT" dirty="0"/>
+          </a:p>
+        </p:txBody>
+      </p:sp>
+      <p:sp>
+        <p:nvSpPr>
+          <p:cNvPr id="5" name="Foliennummernplatzhalter 4"/>
+          <p:cNvSpPr>
+            <a:spLocks noGrp="1"/>
+          </p:cNvSpPr>
+          <p:nvPr>
+            <p:ph type="sldNum" sz="quarter" idx="12"/>
+          </p:nvPr>
+        </p:nvSpPr>
+        <p:spPr/>
+        <p:txBody>
+          <a:bodyPr/>
+          <a:lstStyle/>
+          <a:p>
+            <a:fld id="{6F3A5F7C-4A61-4A7C-8D3B-627959241671}" type="slidenum">
+              <a:rPr lang="de-AT" smtClean="0"/>
+              <a:pPr/>
+              <a:t>5</a:t>
+            </a:fld>
+            <a:endParaRPr lang="de-AT"/>
+          </a:p>
+        </p:txBody>
+      </p:sp>
+      <p:sp>
+        <p:nvSpPr>
+          <p:cNvPr id="12" name="Textplatzhalter 11"/>
+          <p:cNvSpPr>
+            <a:spLocks noGrp="1"/>
+          </p:cNvSpPr>
+          <p:nvPr>
+            <p:ph type="body" sz="quarter" idx="13"/>
+          </p:nvPr>
+        </p:nvSpPr>
+        <p:spPr/>
+        <p:txBody>
+          <a:bodyPr/>
+          <a:lstStyle/>
+          <a:p>
+            <a:r>
+              <a:rPr lang="de-AT" dirty="0"/>
+              <a:t>Automatische Fischfütterungsanlage mit </a:t>
+            </a:r>
+            <a:r>
+              <a:rPr lang="de-AT" dirty="0" smtClean="0"/>
+              <a:t>Webinterface</a:t>
+            </a:r>
+            <a:endParaRPr lang="de-AT" dirty="0"/>
+          </a:p>
+        </p:txBody>
+      </p:sp>
+      <p:sp>
+        <p:nvSpPr>
+          <p:cNvPr id="13" name="Textplatzhalter 12"/>
+          <p:cNvSpPr>
+            <a:spLocks noGrp="1"/>
+          </p:cNvSpPr>
+          <p:nvPr>
+            <p:ph type="body" sz="quarter" idx="14"/>
+          </p:nvPr>
+        </p:nvSpPr>
+        <p:spPr/>
+        <p:txBody>
+          <a:bodyPr/>
+          <a:lstStyle/>
+          <a:p>
+            <a:r>
+              <a:rPr lang="de-AT" dirty="0"/>
+              <a:t>HW5A</a:t>
+            </a:r>
+          </a:p>
+        </p:txBody>
+      </p:sp>
+    </p:spTree>
+    <p:extLst>
+      <p:ext uri="{BB962C8B-B14F-4D97-AF65-F5344CB8AC3E}">
+        <p14:creationId xmlns:p14="http://schemas.microsoft.com/office/powerpoint/2010/main" val="357310147"/>
+      </p:ext>
+    </p:extLst>
+  </p:cSld>
+  <p:clrMapOvr>
+    <a:masterClrMapping/>
+  </p:clrMapOvr>
+  <p:timing>
+    <p:tnLst>
+      <p:par>
+        <p:cTn id="1" dur="indefinite" restart="never" nodeType="tmRoot"/>
+      </p:par>
+    </p:tnLst>
+  </p:timing>
+</p:sld>
+</file>
+
 <file path=ppt/slides/slide6.xml><?xml version="1.0" encoding="utf-8"?>
 <p:sld xmlns:a="http://schemas.openxmlformats.org/drawingml/2006/main" xmlns:r="http://schemas.openxmlformats.org/officeDocument/2006/relationships" xmlns:p="http://schemas.openxmlformats.org/presentationml/2006/main">
   <p:cSld>
@@ -6153,11 +7179,7 @@
           <a:bodyPr/>
           <a:lstStyle/>
           <a:p>
-            <a:r>
-              <a:rPr lang="de-AT" dirty="0" smtClean="0"/>
-              <a:t>Innovation</a:t>
-            </a:r>
-            <a:endParaRPr lang="de-AT" dirty="0"/>
+            <a:endParaRPr lang="de-AT"/>
           </a:p>
         </p:txBody>
       </p:sp>
@@ -6173,56 +7195,10 @@
         </p:nvSpPr>
         <p:spPr/>
         <p:txBody>
-          <a:bodyPr>
-            <a:normAutofit lnSpcReduction="10000"/>
-          </a:bodyPr>
-          <a:lstStyle/>
-          <a:p>
-            <a:r>
-              <a:rPr lang="de-AT" dirty="0" smtClean="0"/>
-              <a:t>Futterabgabe sowie Dosierung durch Rotation eines konischen Futterbehälters</a:t>
-            </a:r>
-            <a:br>
-              <a:rPr lang="de-AT" dirty="0" smtClean="0"/>
-            </a:br>
-            <a:endParaRPr lang="de-AT" dirty="0" smtClean="0"/>
-          </a:p>
-          <a:p>
-            <a:r>
-              <a:rPr lang="de-AT" dirty="0" smtClean="0"/>
-              <a:t>Netzwerkfähigkeit der Elektronik</a:t>
-            </a:r>
-            <a:br>
-              <a:rPr lang="de-AT" dirty="0" smtClean="0"/>
-            </a:br>
-            <a:endParaRPr lang="de-AT" dirty="0" smtClean="0"/>
-          </a:p>
-          <a:p>
-            <a:r>
-              <a:rPr lang="de-AT" dirty="0" smtClean="0"/>
-              <a:t>Fernwartung durch Webinterface</a:t>
-            </a:r>
-            <a:br>
-              <a:rPr lang="de-AT" dirty="0" smtClean="0"/>
-            </a:br>
-            <a:endParaRPr lang="de-AT" dirty="0" smtClean="0"/>
-          </a:p>
-          <a:p>
-            <a:r>
-              <a:rPr lang="de-AT" dirty="0" smtClean="0"/>
-              <a:t>Grafische Auswertung der Sensordaten</a:t>
-            </a:r>
-            <a:br>
-              <a:rPr lang="de-AT" dirty="0" smtClean="0"/>
-            </a:br>
-            <a:endParaRPr lang="de-AT" dirty="0" smtClean="0"/>
-          </a:p>
-          <a:p>
-            <a:r>
-              <a:rPr lang="de-AT" dirty="0" smtClean="0"/>
-              <a:t>Automatische Warnmitteilungen über E-Mail</a:t>
-            </a:r>
-            <a:endParaRPr lang="de-AT" dirty="0"/>
+          <a:bodyPr/>
+          <a:lstStyle/>
+          <a:p>
+            <a:endParaRPr lang="de-AT"/>
           </a:p>
         </p:txBody>
       </p:sp>
@@ -6288,12 +7264,8 @@
           <a:lstStyle/>
           <a:p>
             <a:r>
-              <a:rPr lang="de-AT" dirty="0"/>
-              <a:t>Automatische Fischfütterungsanlage mit </a:t>
-            </a:r>
-            <a:r>
               <a:rPr lang="de-AT" dirty="0" smtClean="0"/>
-              <a:t>Webinterface</a:t>
+              <a:t>Automatische Fischfütterungsanlage mit Webinterface</a:t>
             </a:r>
             <a:endParaRPr lang="de-AT" dirty="0"/>
           </a:p>
@@ -6321,10 +7293,51 @@
           </a:p>
         </p:txBody>
       </p:sp>
+      <p:pic>
+        <p:nvPicPr>
+          <p:cNvPr id="5123" name="Picture 3" descr="C:\Users\Berny\Diplomarbeit\Diplomschrift\Bilder\login.png"/>
+          <p:cNvPicPr>
+            <a:picLocks noChangeAspect="1" noChangeArrowheads="1"/>
+          </p:cNvPicPr>
+          <p:nvPr/>
+        </p:nvPicPr>
+        <p:blipFill>
+          <a:blip r:embed="rId2">
+            <a:extLst>
+              <a:ext uri="{28A0092B-C50C-407E-A947-70E740481C1C}">
+                <a14:useLocalDpi xmlns:a14="http://schemas.microsoft.com/office/drawing/2010/main" val="0"/>
+              </a:ext>
+            </a:extLst>
+          </a:blip>
+          <a:srcRect/>
+          <a:stretch>
+            <a:fillRect/>
+          </a:stretch>
+        </p:blipFill>
+        <p:spPr bwMode="auto">
+          <a:xfrm>
+            <a:off x="1460202" y="1844824"/>
+            <a:ext cx="6280150" cy="3054350"/>
+          </a:xfrm>
+          <a:prstGeom prst="rect">
+            <a:avLst/>
+          </a:prstGeom>
+          <a:noFill/>
+          <a:extLst>
+            <a:ext uri="{909E8E84-426E-40DD-AFC4-6F175D3DCCD1}">
+              <a14:hiddenFill xmlns:a14="http://schemas.microsoft.com/office/drawing/2010/main">
+                <a:solidFill>
+                  <a:srgbClr val="FFFFFF"/>
+                </a:solidFill>
+              </a14:hiddenFill>
+            </a:ext>
+          </a:extLst>
+        </p:spPr>
+      </p:pic>
     </p:spTree>
     <p:extLst>
       <p:ext uri="{BB962C8B-B14F-4D97-AF65-F5344CB8AC3E}">
-        <p14:creationId xmlns:p14="http://schemas.microsoft.com/office/powerpoint/2010/main" val="4288555012"/>
+        <p14:creationId xmlns:p14="http://schemas.microsoft.com/office/powerpoint/2010/main" val="1554280203"/>
       </p:ext>
     </p:extLst>
   </p:cSld>
@@ -6373,11 +7386,7 @@
           <a:bodyPr/>
           <a:lstStyle/>
           <a:p>
-            <a:r>
-              <a:rPr lang="de-AT" dirty="0" smtClean="0"/>
-              <a:t>Ausblick</a:t>
-            </a:r>
-            <a:endParaRPr lang="de-AT" dirty="0"/>
+            <a:endParaRPr lang="de-AT"/>
           </a:p>
         </p:txBody>
       </p:sp>
@@ -6396,55 +7405,7 @@
           <a:bodyPr/>
           <a:lstStyle/>
           <a:p>
-            <a:r>
-              <a:rPr lang="de-AT" dirty="0" smtClean="0"/>
-              <a:t>Überwachung durch Webcam</a:t>
-            </a:r>
-            <a:br>
-              <a:rPr lang="de-AT" dirty="0" smtClean="0"/>
-            </a:br>
-            <a:endParaRPr lang="de-AT" dirty="0" smtClean="0"/>
-          </a:p>
-          <a:p>
-            <a:r>
-              <a:rPr lang="de-AT" dirty="0" smtClean="0"/>
-              <a:t>Elektronische Steuerung der künstlichen Beleuchtung im </a:t>
-            </a:r>
-            <a:r>
-              <a:rPr lang="de-AT" dirty="0" err="1" smtClean="0"/>
-              <a:t>Bruthaus</a:t>
-            </a:r>
-            <a:r>
-              <a:rPr lang="de-AT" dirty="0" smtClean="0"/>
-              <a:t> bei </a:t>
-            </a:r>
-            <a:r>
-              <a:rPr lang="de-AT" dirty="0" smtClean="0"/>
-              <a:t>Wegfall des Tageslichtes</a:t>
-            </a:r>
-            <a:r>
-              <a:rPr lang="de-AT" dirty="0" smtClean="0"/>
-              <a:t/>
-            </a:r>
-            <a:br>
-              <a:rPr lang="de-AT" dirty="0" smtClean="0"/>
-            </a:br>
-            <a:endParaRPr lang="de-AT" dirty="0" smtClean="0"/>
-          </a:p>
-          <a:p>
-            <a:r>
-              <a:rPr lang="de-AT" dirty="0" smtClean="0"/>
-              <a:t>Futtermanagementsoftware zur </a:t>
-            </a:r>
-            <a:r>
-              <a:rPr lang="de-AT" dirty="0"/>
-              <a:t>G</a:t>
-            </a:r>
-            <a:r>
-              <a:rPr lang="de-AT" dirty="0" smtClean="0"/>
-              <a:t>ewährleistung der ständigen Futterversorgung</a:t>
-            </a:r>
-            <a:endParaRPr lang="de-AT" dirty="0"/>
+            <a:endParaRPr lang="de-AT"/>
           </a:p>
         </p:txBody>
       </p:sp>
@@ -6543,10 +7504,51 @@
           </a:p>
         </p:txBody>
       </p:sp>
+      <p:pic>
+        <p:nvPicPr>
+          <p:cNvPr id="6146" name="Picture 2" descr="C:\Users\Berny\Diplomarbeit\Diplomschrift\Bilder\index.png"/>
+          <p:cNvPicPr>
+            <a:picLocks noChangeAspect="1" noChangeArrowheads="1"/>
+          </p:cNvPicPr>
+          <p:nvPr/>
+        </p:nvPicPr>
+        <p:blipFill>
+          <a:blip r:embed="rId2">
+            <a:extLst>
+              <a:ext uri="{28A0092B-C50C-407E-A947-70E740481C1C}">
+                <a14:useLocalDpi xmlns:a14="http://schemas.microsoft.com/office/drawing/2010/main" val="0"/>
+              </a:ext>
+            </a:extLst>
+          </a:blip>
+          <a:srcRect/>
+          <a:stretch>
+            <a:fillRect/>
+          </a:stretch>
+        </p:blipFill>
+        <p:spPr bwMode="auto">
+          <a:xfrm>
+            <a:off x="1466552" y="620688"/>
+            <a:ext cx="6273800" cy="5549900"/>
+          </a:xfrm>
+          <a:prstGeom prst="rect">
+            <a:avLst/>
+          </a:prstGeom>
+          <a:noFill/>
+          <a:extLst>
+            <a:ext uri="{909E8E84-426E-40DD-AFC4-6F175D3DCCD1}">
+              <a14:hiddenFill xmlns:a14="http://schemas.microsoft.com/office/drawing/2010/main">
+                <a:solidFill>
+                  <a:srgbClr val="FFFFFF"/>
+                </a:solidFill>
+              </a14:hiddenFill>
+            </a:ext>
+          </a:extLst>
+        </p:spPr>
+      </p:pic>
     </p:spTree>
     <p:extLst>
       <p:ext uri="{BB962C8B-B14F-4D97-AF65-F5344CB8AC3E}">
-        <p14:creationId xmlns:p14="http://schemas.microsoft.com/office/powerpoint/2010/main" val="3318586043"/>
+        <p14:creationId xmlns:p14="http://schemas.microsoft.com/office/powerpoint/2010/main" val="353413956"/>
       </p:ext>
     </p:extLst>
   </p:cSld>
@@ -6582,35 +7584,12 @@
       </p:grpSpPr>
       <p:sp>
         <p:nvSpPr>
-          <p:cNvPr id="8" name="Titel 7"/>
-          <p:cNvSpPr>
-            <a:spLocks noGrp="1"/>
-          </p:cNvSpPr>
-          <p:nvPr>
-            <p:ph type="ctrTitle"/>
-          </p:nvPr>
-        </p:nvSpPr>
-        <p:spPr/>
-        <p:txBody>
-          <a:bodyPr anchor="ctr"/>
-          <a:lstStyle/>
-          <a:p>
-            <a:r>
-              <a:rPr lang="de-AT" sz="4800" dirty="0" smtClean="0"/>
-              <a:t>Vielen Dank für die Aufmerksamkeit!</a:t>
-            </a:r>
-            <a:endParaRPr lang="de-AT" sz="4800" dirty="0"/>
-          </a:p>
-        </p:txBody>
-      </p:sp>
-      <p:sp>
-        <p:nvSpPr>
-          <p:cNvPr id="10" name="Untertitel 9"/>
-          <p:cNvSpPr>
-            <a:spLocks noGrp="1"/>
-          </p:cNvSpPr>
-          <p:nvPr>
-            <p:ph type="subTitle" idx="1"/>
+          <p:cNvPr id="2" name="Titel 1"/>
+          <p:cNvSpPr>
+            <a:spLocks noGrp="1"/>
+          </p:cNvSpPr>
+          <p:nvPr>
+            <p:ph type="title"/>
           </p:nvPr>
         </p:nvSpPr>
         <p:spPr/>
@@ -6624,12 +7603,54 @@
       </p:sp>
       <p:sp>
         <p:nvSpPr>
+          <p:cNvPr id="3" name="Inhaltsplatzhalter 2"/>
+          <p:cNvSpPr>
+            <a:spLocks noGrp="1"/>
+          </p:cNvSpPr>
+          <p:nvPr>
+            <p:ph idx="1"/>
+          </p:nvPr>
+        </p:nvSpPr>
+        <p:spPr/>
+        <p:txBody>
+          <a:bodyPr/>
+          <a:lstStyle/>
+          <a:p>
+            <a:endParaRPr lang="de-AT"/>
+          </a:p>
+        </p:txBody>
+      </p:sp>
+      <p:sp>
+        <p:nvSpPr>
+          <p:cNvPr id="4" name="Fußzeilenplatzhalter 3"/>
+          <p:cNvSpPr>
+            <a:spLocks noGrp="1"/>
+          </p:cNvSpPr>
+          <p:nvPr>
+            <p:ph type="ftr" sz="quarter" idx="11"/>
+          </p:nvPr>
+        </p:nvSpPr>
+        <p:spPr/>
+        <p:txBody>
+          <a:bodyPr/>
+          <a:lstStyle/>
+          <a:p>
+            <a:r>
+              <a:rPr lang="de-AT" smtClean="0"/>
+              <a:t>Bernhard Fritz, Patrick Schwarz</a:t>
+            </a:r>
+            <a:endParaRPr lang="de-AT" dirty="0"/>
+          </a:p>
+        </p:txBody>
+      </p:sp>
+      <p:sp>
+        <p:nvSpPr>
           <p:cNvPr id="5" name="Foliennummernplatzhalter 4"/>
           <p:cNvSpPr>
             <a:spLocks noGrp="1"/>
           </p:cNvSpPr>
           <p:nvPr>
-            <p:ph type="sldNum" sz="quarter" idx="11"/>
+            <p:ph type="sldNum" sz="quarter" idx="12"/>
           </p:nvPr>
         </p:nvSpPr>
         <p:spPr/>
@@ -6647,31 +7668,302 @@
       </p:sp>
       <p:sp>
         <p:nvSpPr>
-          <p:cNvPr id="4" name="Fußzeilenplatzhalter 3"/>
-          <p:cNvSpPr>
-            <a:spLocks noGrp="1"/>
-          </p:cNvSpPr>
-          <p:nvPr>
-            <p:ph type="ftr" sz="quarter" idx="12"/>
-          </p:nvPr>
-        </p:nvSpPr>
-        <p:spPr/>
-        <p:txBody>
-          <a:bodyPr/>
-          <a:lstStyle/>
-          <a:p>
-            <a:r>
-              <a:rPr lang="de-AT" smtClean="0"/>
-              <a:t>Bernhard Fritz, Patrick Schwarz</a:t>
+          <p:cNvPr id="6" name="Textplatzhalter 5"/>
+          <p:cNvSpPr>
+            <a:spLocks noGrp="1"/>
+          </p:cNvSpPr>
+          <p:nvPr>
+            <p:ph type="body" sz="quarter" idx="13"/>
+          </p:nvPr>
+        </p:nvSpPr>
+        <p:spPr/>
+        <p:txBody>
+          <a:bodyPr/>
+          <a:lstStyle/>
+          <a:p>
+            <a:r>
+              <a:rPr lang="de-AT" dirty="0"/>
+              <a:t>Automatische Fischfütterungsanlage mit </a:t>
+            </a:r>
+            <a:r>
+              <a:rPr lang="de-AT" dirty="0" smtClean="0"/>
+              <a:t>Webinterface</a:t>
             </a:r>
             <a:endParaRPr lang="de-AT" dirty="0"/>
           </a:p>
         </p:txBody>
       </p:sp>
+      <p:sp>
+        <p:nvSpPr>
+          <p:cNvPr id="7" name="Textplatzhalter 6"/>
+          <p:cNvSpPr>
+            <a:spLocks noGrp="1"/>
+          </p:cNvSpPr>
+          <p:nvPr>
+            <p:ph type="body" sz="quarter" idx="14"/>
+          </p:nvPr>
+        </p:nvSpPr>
+        <p:spPr/>
+        <p:txBody>
+          <a:bodyPr/>
+          <a:lstStyle/>
+          <a:p>
+            <a:r>
+              <a:rPr lang="de-AT" dirty="0"/>
+              <a:t>HW5A</a:t>
+            </a:r>
+          </a:p>
+        </p:txBody>
+      </p:sp>
+      <p:pic>
+        <p:nvPicPr>
+          <p:cNvPr id="7170" name="Picture 2" descr="C:\Users\Berny\Diplomarbeit\Diplomschrift\Bilder\graph.png"/>
+          <p:cNvPicPr>
+            <a:picLocks noChangeAspect="1" noChangeArrowheads="1"/>
+          </p:cNvPicPr>
+          <p:nvPr/>
+        </p:nvPicPr>
+        <p:blipFill>
+          <a:blip r:embed="rId2">
+            <a:extLst>
+              <a:ext uri="{28A0092B-C50C-407E-A947-70E740481C1C}">
+                <a14:useLocalDpi xmlns:a14="http://schemas.microsoft.com/office/drawing/2010/main" val="0"/>
+              </a:ext>
+            </a:extLst>
+          </a:blip>
+          <a:srcRect/>
+          <a:stretch>
+            <a:fillRect/>
+          </a:stretch>
+        </p:blipFill>
+        <p:spPr bwMode="auto">
+          <a:xfrm>
+            <a:off x="1460202" y="757138"/>
+            <a:ext cx="6280150" cy="5264150"/>
+          </a:xfrm>
+          <a:prstGeom prst="rect">
+            <a:avLst/>
+          </a:prstGeom>
+          <a:noFill/>
+          <a:extLst>
+            <a:ext uri="{909E8E84-426E-40DD-AFC4-6F175D3DCCD1}">
+              <a14:hiddenFill xmlns:a14="http://schemas.microsoft.com/office/drawing/2010/main">
+                <a:solidFill>
+                  <a:srgbClr val="FFFFFF"/>
+                </a:solidFill>
+              </a14:hiddenFill>
+            </a:ext>
+          </a:extLst>
+        </p:spPr>
+      </p:pic>
     </p:spTree>
     <p:extLst>
       <p:ext uri="{BB962C8B-B14F-4D97-AF65-F5344CB8AC3E}">
-        <p14:creationId xmlns:p14="http://schemas.microsoft.com/office/powerpoint/2010/main" val="2360439609"/>
+        <p14:creationId xmlns:p14="http://schemas.microsoft.com/office/powerpoint/2010/main" val="1128696284"/>
+      </p:ext>
+    </p:extLst>
+  </p:cSld>
+  <p:clrMapOvr>
+    <a:masterClrMapping/>
+  </p:clrMapOvr>
+  <p:timing>
+    <p:tnLst>
+      <p:par>
+        <p:cTn id="1" dur="indefinite" restart="never" nodeType="tmRoot"/>
+      </p:par>
+    </p:tnLst>
+  </p:timing>
+</p:sld>
+</file>
+
+<file path=ppt/slides/slide9.xml><?xml version="1.0" encoding="utf-8"?>
+<p:sld xmlns:a="http://schemas.openxmlformats.org/drawingml/2006/main" xmlns:r="http://schemas.openxmlformats.org/officeDocument/2006/relationships" xmlns:p="http://schemas.openxmlformats.org/presentationml/2006/main">
+  <p:cSld>
+    <p:spTree>
+      <p:nvGrpSpPr>
+        <p:cNvPr id="1" name=""/>
+        <p:cNvGrpSpPr/>
+        <p:nvPr/>
+      </p:nvGrpSpPr>
+      <p:grpSpPr>
+        <a:xfrm>
+          <a:off x="0" y="0"/>
+          <a:ext cx="0" cy="0"/>
+          <a:chOff x="0" y="0"/>
+          <a:chExt cx="0" cy="0"/>
+        </a:xfrm>
+      </p:grpSpPr>
+      <p:sp>
+        <p:nvSpPr>
+          <p:cNvPr id="2" name="Titel 1"/>
+          <p:cNvSpPr>
+            <a:spLocks noGrp="1"/>
+          </p:cNvSpPr>
+          <p:nvPr>
+            <p:ph type="title"/>
+          </p:nvPr>
+        </p:nvSpPr>
+        <p:spPr/>
+        <p:txBody>
+          <a:bodyPr/>
+          <a:lstStyle/>
+          <a:p>
+            <a:endParaRPr lang="de-AT"/>
+          </a:p>
+        </p:txBody>
+      </p:sp>
+      <p:sp>
+        <p:nvSpPr>
+          <p:cNvPr id="3" name="Inhaltsplatzhalter 2"/>
+          <p:cNvSpPr>
+            <a:spLocks noGrp="1"/>
+          </p:cNvSpPr>
+          <p:nvPr>
+            <p:ph idx="1"/>
+          </p:nvPr>
+        </p:nvSpPr>
+        <p:spPr/>
+        <p:txBody>
+          <a:bodyPr/>
+          <a:lstStyle/>
+          <a:p>
+            <a:endParaRPr lang="de-AT"/>
+          </a:p>
+        </p:txBody>
+      </p:sp>
+      <p:sp>
+        <p:nvSpPr>
+          <p:cNvPr id="4" name="Fußzeilenplatzhalter 3"/>
+          <p:cNvSpPr>
+            <a:spLocks noGrp="1"/>
+          </p:cNvSpPr>
+          <p:nvPr>
+            <p:ph type="ftr" sz="quarter" idx="11"/>
+          </p:nvPr>
+        </p:nvSpPr>
+        <p:spPr/>
+        <p:txBody>
+          <a:bodyPr/>
+          <a:lstStyle/>
+          <a:p>
+            <a:r>
+              <a:rPr lang="de-AT" smtClean="0"/>
+              <a:t>Bernhard Fritz, Patrick Schwarz</a:t>
+            </a:r>
+            <a:endParaRPr lang="de-AT" dirty="0"/>
+          </a:p>
+        </p:txBody>
+      </p:sp>
+      <p:sp>
+        <p:nvSpPr>
+          <p:cNvPr id="5" name="Foliennummernplatzhalter 4"/>
+          <p:cNvSpPr>
+            <a:spLocks noGrp="1"/>
+          </p:cNvSpPr>
+          <p:nvPr>
+            <p:ph type="sldNum" sz="quarter" idx="12"/>
+          </p:nvPr>
+        </p:nvSpPr>
+        <p:spPr/>
+        <p:txBody>
+          <a:bodyPr/>
+          <a:lstStyle/>
+          <a:p>
+            <a:fld id="{6F3A5F7C-4A61-4A7C-8D3B-627959241671}" type="slidenum">
+              <a:rPr lang="de-AT" smtClean="0"/>
+              <a:t>9</a:t>
+            </a:fld>
+            <a:endParaRPr lang="de-AT"/>
+          </a:p>
+        </p:txBody>
+      </p:sp>
+      <p:sp>
+        <p:nvSpPr>
+          <p:cNvPr id="6" name="Textplatzhalter 5"/>
+          <p:cNvSpPr>
+            <a:spLocks noGrp="1"/>
+          </p:cNvSpPr>
+          <p:nvPr>
+            <p:ph type="body" sz="quarter" idx="13"/>
+          </p:nvPr>
+        </p:nvSpPr>
+        <p:spPr/>
+        <p:txBody>
+          <a:bodyPr/>
+          <a:lstStyle/>
+          <a:p>
+            <a:r>
+              <a:rPr lang="de-AT" dirty="0"/>
+              <a:t>Automatische Fischfütterungsanlage mit Webinterface</a:t>
+            </a:r>
+          </a:p>
+        </p:txBody>
+      </p:sp>
+      <p:sp>
+        <p:nvSpPr>
+          <p:cNvPr id="7" name="Textplatzhalter 6"/>
+          <p:cNvSpPr>
+            <a:spLocks noGrp="1"/>
+          </p:cNvSpPr>
+          <p:nvPr>
+            <p:ph type="body" sz="quarter" idx="14"/>
+          </p:nvPr>
+        </p:nvSpPr>
+        <p:spPr/>
+        <p:txBody>
+          <a:bodyPr/>
+          <a:lstStyle/>
+          <a:p>
+            <a:r>
+              <a:rPr lang="de-AT" dirty="0"/>
+              <a:t>HW5A</a:t>
+            </a:r>
+          </a:p>
+        </p:txBody>
+      </p:sp>
+      <p:pic>
+        <p:nvPicPr>
+          <p:cNvPr id="8194" name="Picture 2" descr="C:\Users\Berny\Diplomarbeit\Diplomschrift\Bilder\tabelle.png"/>
+          <p:cNvPicPr>
+            <a:picLocks noChangeAspect="1" noChangeArrowheads="1"/>
+          </p:cNvPicPr>
+          <p:nvPr/>
+        </p:nvPicPr>
+        <p:blipFill rotWithShape="1">
+          <a:blip r:embed="rId2">
+            <a:extLst>
+              <a:ext uri="{28A0092B-C50C-407E-A947-70E740481C1C}">
+                <a14:useLocalDpi xmlns:a14="http://schemas.microsoft.com/office/drawing/2010/main" val="0"/>
+              </a:ext>
+            </a:extLst>
+          </a:blip>
+          <a:srcRect t="1" b="20717"/>
+          <a:stretch/>
+        </p:blipFill>
+        <p:spPr bwMode="auto">
+          <a:xfrm>
+            <a:off x="1525860" y="1017264"/>
+            <a:ext cx="6286500" cy="4788000"/>
+          </a:xfrm>
+          <a:prstGeom prst="rect">
+            <a:avLst/>
+          </a:prstGeom>
+          <a:noFill/>
+          <a:extLst>
+            <a:ext uri="{909E8E84-426E-40DD-AFC4-6F175D3DCCD1}">
+              <a14:hiddenFill xmlns:a14="http://schemas.microsoft.com/office/drawing/2010/main">
+                <a:solidFill>
+                  <a:srgbClr val="FFFFFF"/>
+                </a:solidFill>
+              </a14:hiddenFill>
+            </a:ext>
+          </a:extLst>
+        </p:spPr>
+      </p:pic>
+    </p:spTree>
+    <p:extLst>
+      <p:ext uri="{BB962C8B-B14F-4D97-AF65-F5344CB8AC3E}">
+        <p14:creationId xmlns:p14="http://schemas.microsoft.com/office/powerpoint/2010/main" val="3180860913"/>
       </p:ext>
     </p:extLst>
   </p:cSld>
